--- a/data-raw/DirectoryStructureCoordinateTestCatalogs.pptx
+++ b/data-raw/DirectoryStructureCoordinateTestCatalogs.pptx
@@ -141,7 +141,7 @@
         </p:nvSpPr>
         <p:spPr>
           <a:xfrm>
-            <a:off x="480060" y="748242"/>
+            <a:off x="480060" y="748243"/>
             <a:ext cx="5440680" cy="1591733"/>
           </a:xfrm>
         </p:spPr>
@@ -184,35 +184,35 @@
               <a:buNone/>
               <a:defRPr sz="1600"/>
             </a:lvl1pPr>
-            <a:lvl2pPr marL="304815" indent="0" algn="ctr">
+            <a:lvl2pPr marL="304821" indent="0" algn="ctr">
               <a:buNone/>
               <a:defRPr sz="1333"/>
             </a:lvl2pPr>
-            <a:lvl3pPr marL="609630" indent="0" algn="ctr">
+            <a:lvl3pPr marL="609642" indent="0" algn="ctr">
               <a:buNone/>
               <a:defRPr sz="1200"/>
             </a:lvl3pPr>
-            <a:lvl4pPr marL="914446" indent="0" algn="ctr">
+            <a:lvl4pPr marL="914464" indent="0" algn="ctr">
               <a:buNone/>
               <a:defRPr sz="1067"/>
             </a:lvl4pPr>
-            <a:lvl5pPr marL="1219261" indent="0" algn="ctr">
+            <a:lvl5pPr marL="1219285" indent="0" algn="ctr">
               <a:buNone/>
               <a:defRPr sz="1067"/>
             </a:lvl5pPr>
-            <a:lvl6pPr marL="1524076" indent="0" algn="ctr">
+            <a:lvl6pPr marL="1524106" indent="0" algn="ctr">
               <a:buNone/>
               <a:defRPr sz="1067"/>
             </a:lvl6pPr>
-            <a:lvl7pPr marL="1828891" indent="0" algn="ctr">
+            <a:lvl7pPr marL="1828927" indent="0" algn="ctr">
               <a:buNone/>
               <a:defRPr sz="1067"/>
             </a:lvl7pPr>
-            <a:lvl8pPr marL="2133707" indent="0" algn="ctr">
+            <a:lvl8pPr marL="2133750" indent="0" algn="ctr">
               <a:buNone/>
               <a:defRPr sz="1067"/>
             </a:lvl8pPr>
-            <a:lvl9pPr marL="2438522" indent="0" algn="ctr">
+            <a:lvl9pPr marL="2438571" indent="0" algn="ctr">
               <a:buNone/>
               <a:defRPr sz="1067"/>
             </a:lvl9pPr>
@@ -243,7 +243,7 @@
           <a:p>
             <a:fld id="{56F6A349-4F42-4F7C-857D-6BFF6B6F337C}" type="datetimeFigureOut">
               <a:rPr lang="en-US" smtClean="0"/>
-              <a:t>2/13/2019</a:t>
+              <a:t>2/16/2019</a:t>
             </a:fld>
             <a:endParaRPr lang="en-US"/>
           </a:p>
@@ -413,7 +413,7 @@
           <a:p>
             <a:fld id="{56F6A349-4F42-4F7C-857D-6BFF6B6F337C}" type="datetimeFigureOut">
               <a:rPr lang="en-US" smtClean="0"/>
-              <a:t>2/13/2019</a:t>
+              <a:t>2/16/2019</a:t>
             </a:fld>
             <a:endParaRPr lang="en-US"/>
           </a:p>
@@ -503,7 +503,7 @@
         </p:nvSpPr>
         <p:spPr>
           <a:xfrm>
-            <a:off x="4580573" y="243417"/>
+            <a:off x="4580573" y="243418"/>
             <a:ext cx="1380173" cy="3874559"/>
           </a:xfrm>
         </p:spPr>
@@ -531,7 +531,7 @@
         </p:nvSpPr>
         <p:spPr>
           <a:xfrm>
-            <a:off x="440055" y="243417"/>
+            <a:off x="440056" y="243418"/>
             <a:ext cx="4060508" cy="3874559"/>
           </a:xfrm>
         </p:spPr>
@@ -593,7 +593,7 @@
           <a:p>
             <a:fld id="{56F6A349-4F42-4F7C-857D-6BFF6B6F337C}" type="datetimeFigureOut">
               <a:rPr lang="en-US" smtClean="0"/>
-              <a:t>2/13/2019</a:t>
+              <a:t>2/16/2019</a:t>
             </a:fld>
             <a:endParaRPr lang="en-US"/>
           </a:p>
@@ -763,7 +763,7 @@
           <a:p>
             <a:fld id="{56F6A349-4F42-4F7C-857D-6BFF6B6F337C}" type="datetimeFigureOut">
               <a:rPr lang="en-US" smtClean="0"/>
-              <a:t>2/13/2019</a:t>
+              <a:t>2/16/2019</a:t>
             </a:fld>
             <a:endParaRPr lang="en-US"/>
           </a:p>
@@ -853,7 +853,7 @@
         </p:nvSpPr>
         <p:spPr>
           <a:xfrm>
-            <a:off x="436722" y="1139826"/>
+            <a:off x="436722" y="1139827"/>
             <a:ext cx="5520690" cy="1901825"/>
           </a:xfrm>
         </p:spPr>
@@ -885,7 +885,7 @@
         </p:nvSpPr>
         <p:spPr>
           <a:xfrm>
-            <a:off x="436722" y="3059643"/>
+            <a:off x="436722" y="3059644"/>
             <a:ext cx="5520690" cy="1000125"/>
           </a:xfrm>
         </p:spPr>
@@ -900,7 +900,7 @@
                 </a:solidFill>
               </a:defRPr>
             </a:lvl1pPr>
-            <a:lvl2pPr marL="304815" indent="0">
+            <a:lvl2pPr marL="304821" indent="0">
               <a:buNone/>
               <a:defRPr sz="1333">
                 <a:solidFill>
@@ -910,7 +910,7 @@
                 </a:solidFill>
               </a:defRPr>
             </a:lvl2pPr>
-            <a:lvl3pPr marL="609630" indent="0">
+            <a:lvl3pPr marL="609642" indent="0">
               <a:buNone/>
               <a:defRPr sz="1200">
                 <a:solidFill>
@@ -920,7 +920,7 @@
                 </a:solidFill>
               </a:defRPr>
             </a:lvl3pPr>
-            <a:lvl4pPr marL="914446" indent="0">
+            <a:lvl4pPr marL="914464" indent="0">
               <a:buNone/>
               <a:defRPr sz="1067">
                 <a:solidFill>
@@ -930,7 +930,7 @@
                 </a:solidFill>
               </a:defRPr>
             </a:lvl4pPr>
-            <a:lvl5pPr marL="1219261" indent="0">
+            <a:lvl5pPr marL="1219285" indent="0">
               <a:buNone/>
               <a:defRPr sz="1067">
                 <a:solidFill>
@@ -940,7 +940,7 @@
                 </a:solidFill>
               </a:defRPr>
             </a:lvl5pPr>
-            <a:lvl6pPr marL="1524076" indent="0">
+            <a:lvl6pPr marL="1524106" indent="0">
               <a:buNone/>
               <a:defRPr sz="1067">
                 <a:solidFill>
@@ -950,7 +950,7 @@
                 </a:solidFill>
               </a:defRPr>
             </a:lvl6pPr>
-            <a:lvl7pPr marL="1828891" indent="0">
+            <a:lvl7pPr marL="1828927" indent="0">
               <a:buNone/>
               <a:defRPr sz="1067">
                 <a:solidFill>
@@ -960,7 +960,7 @@
                 </a:solidFill>
               </a:defRPr>
             </a:lvl7pPr>
-            <a:lvl8pPr marL="2133707" indent="0">
+            <a:lvl8pPr marL="2133750" indent="0">
               <a:buNone/>
               <a:defRPr sz="1067">
                 <a:solidFill>
@@ -970,7 +970,7 @@
                 </a:solidFill>
               </a:defRPr>
             </a:lvl8pPr>
-            <a:lvl9pPr marL="2438522" indent="0">
+            <a:lvl9pPr marL="2438571" indent="0">
               <a:buNone/>
               <a:defRPr sz="1067">
                 <a:solidFill>
@@ -1007,7 +1007,7 @@
           <a:p>
             <a:fld id="{56F6A349-4F42-4F7C-857D-6BFF6B6F337C}" type="datetimeFigureOut">
               <a:rPr lang="en-US" smtClean="0"/>
-              <a:t>2/13/2019</a:t>
+              <a:t>2/16/2019</a:t>
             </a:fld>
             <a:endParaRPr lang="en-US"/>
           </a:p>
@@ -1239,7 +1239,7 @@
           <a:p>
             <a:fld id="{56F6A349-4F42-4F7C-857D-6BFF6B6F337C}" type="datetimeFigureOut">
               <a:rPr lang="en-US" smtClean="0"/>
-              <a:t>2/13/2019</a:t>
+              <a:t>2/16/2019</a:t>
             </a:fld>
             <a:endParaRPr lang="en-US"/>
           </a:p>
@@ -1329,7 +1329,7 @@
         </p:nvSpPr>
         <p:spPr>
           <a:xfrm>
-            <a:off x="440889" y="243418"/>
+            <a:off x="440889" y="243419"/>
             <a:ext cx="5520690" cy="883709"/>
           </a:xfrm>
         </p:spPr>
@@ -1357,7 +1357,7 @@
         </p:nvSpPr>
         <p:spPr>
           <a:xfrm>
-            <a:off x="440889" y="1120775"/>
+            <a:off x="440889" y="1120776"/>
             <a:ext cx="2707838" cy="549275"/>
           </a:xfrm>
         </p:spPr>
@@ -1368,35 +1368,35 @@
               <a:buNone/>
               <a:defRPr sz="1600" b="1"/>
             </a:lvl1pPr>
-            <a:lvl2pPr marL="304815" indent="0">
+            <a:lvl2pPr marL="304821" indent="0">
               <a:buNone/>
               <a:defRPr sz="1333" b="1"/>
             </a:lvl2pPr>
-            <a:lvl3pPr marL="609630" indent="0">
+            <a:lvl3pPr marL="609642" indent="0">
               <a:buNone/>
               <a:defRPr sz="1200" b="1"/>
             </a:lvl3pPr>
-            <a:lvl4pPr marL="914446" indent="0">
+            <a:lvl4pPr marL="914464" indent="0">
               <a:buNone/>
               <a:defRPr sz="1067" b="1"/>
             </a:lvl4pPr>
-            <a:lvl5pPr marL="1219261" indent="0">
+            <a:lvl5pPr marL="1219285" indent="0">
               <a:buNone/>
               <a:defRPr sz="1067" b="1"/>
             </a:lvl5pPr>
-            <a:lvl6pPr marL="1524076" indent="0">
+            <a:lvl6pPr marL="1524106" indent="0">
               <a:buNone/>
               <a:defRPr sz="1067" b="1"/>
             </a:lvl6pPr>
-            <a:lvl7pPr marL="1828891" indent="0">
+            <a:lvl7pPr marL="1828927" indent="0">
               <a:buNone/>
               <a:defRPr sz="1067" b="1"/>
             </a:lvl7pPr>
-            <a:lvl8pPr marL="2133707" indent="0">
+            <a:lvl8pPr marL="2133750" indent="0">
               <a:buNone/>
               <a:defRPr sz="1067" b="1"/>
             </a:lvl8pPr>
-            <a:lvl9pPr marL="2438522" indent="0">
+            <a:lvl9pPr marL="2438571" indent="0">
               <a:buNone/>
               <a:defRPr sz="1067" b="1"/>
             </a:lvl9pPr>
@@ -1479,7 +1479,7 @@
         </p:nvSpPr>
         <p:spPr>
           <a:xfrm>
-            <a:off x="3240405" y="1120775"/>
+            <a:off x="3240405" y="1120776"/>
             <a:ext cx="2721174" cy="549275"/>
           </a:xfrm>
         </p:spPr>
@@ -1490,35 +1490,35 @@
               <a:buNone/>
               <a:defRPr sz="1600" b="1"/>
             </a:lvl1pPr>
-            <a:lvl2pPr marL="304815" indent="0">
+            <a:lvl2pPr marL="304821" indent="0">
               <a:buNone/>
               <a:defRPr sz="1333" b="1"/>
             </a:lvl2pPr>
-            <a:lvl3pPr marL="609630" indent="0">
+            <a:lvl3pPr marL="609642" indent="0">
               <a:buNone/>
               <a:defRPr sz="1200" b="1"/>
             </a:lvl3pPr>
-            <a:lvl4pPr marL="914446" indent="0">
+            <a:lvl4pPr marL="914464" indent="0">
               <a:buNone/>
               <a:defRPr sz="1067" b="1"/>
             </a:lvl4pPr>
-            <a:lvl5pPr marL="1219261" indent="0">
+            <a:lvl5pPr marL="1219285" indent="0">
               <a:buNone/>
               <a:defRPr sz="1067" b="1"/>
             </a:lvl5pPr>
-            <a:lvl6pPr marL="1524076" indent="0">
+            <a:lvl6pPr marL="1524106" indent="0">
               <a:buNone/>
               <a:defRPr sz="1067" b="1"/>
             </a:lvl6pPr>
-            <a:lvl7pPr marL="1828891" indent="0">
+            <a:lvl7pPr marL="1828927" indent="0">
               <a:buNone/>
               <a:defRPr sz="1067" b="1"/>
             </a:lvl7pPr>
-            <a:lvl8pPr marL="2133707" indent="0">
+            <a:lvl8pPr marL="2133750" indent="0">
               <a:buNone/>
               <a:defRPr sz="1067" b="1"/>
             </a:lvl8pPr>
-            <a:lvl9pPr marL="2438522" indent="0">
+            <a:lvl9pPr marL="2438571" indent="0">
               <a:buNone/>
               <a:defRPr sz="1067" b="1"/>
             </a:lvl9pPr>
@@ -1606,7 +1606,7 @@
           <a:p>
             <a:fld id="{56F6A349-4F42-4F7C-857D-6BFF6B6F337C}" type="datetimeFigureOut">
               <a:rPr lang="en-US" smtClean="0"/>
-              <a:t>2/13/2019</a:t>
+              <a:t>2/16/2019</a:t>
             </a:fld>
             <a:endParaRPr lang="en-US"/>
           </a:p>
@@ -1724,7 +1724,7 @@
           <a:p>
             <a:fld id="{56F6A349-4F42-4F7C-857D-6BFF6B6F337C}" type="datetimeFigureOut">
               <a:rPr lang="en-US" smtClean="0"/>
-              <a:t>2/13/2019</a:t>
+              <a:t>2/16/2019</a:t>
             </a:fld>
             <a:endParaRPr lang="en-US"/>
           </a:p>
@@ -1819,7 +1819,7 @@
           <a:p>
             <a:fld id="{56F6A349-4F42-4F7C-857D-6BFF6B6F337C}" type="datetimeFigureOut">
               <a:rPr lang="en-US" smtClean="0"/>
-              <a:t>2/13/2019</a:t>
+              <a:t>2/16/2019</a:t>
             </a:fld>
             <a:endParaRPr lang="en-US"/>
           </a:p>
@@ -1909,7 +1909,7 @@
         </p:nvSpPr>
         <p:spPr>
           <a:xfrm>
-            <a:off x="440889" y="304800"/>
+            <a:off x="440890" y="304800"/>
             <a:ext cx="2064425" cy="1066800"/>
           </a:xfrm>
         </p:spPr>
@@ -1941,7 +1941,7 @@
         </p:nvSpPr>
         <p:spPr>
           <a:xfrm>
-            <a:off x="2721174" y="658285"/>
+            <a:off x="2721175" y="658286"/>
             <a:ext cx="3240405" cy="3249083"/>
           </a:xfrm>
         </p:spPr>
@@ -2026,7 +2026,7 @@
         </p:nvSpPr>
         <p:spPr>
           <a:xfrm>
-            <a:off x="440889" y="1371600"/>
+            <a:off x="440890" y="1371601"/>
             <a:ext cx="2064425" cy="2541059"/>
           </a:xfrm>
         </p:spPr>
@@ -2037,35 +2037,35 @@
               <a:buNone/>
               <a:defRPr sz="1067"/>
             </a:lvl1pPr>
-            <a:lvl2pPr marL="304815" indent="0">
+            <a:lvl2pPr marL="304821" indent="0">
               <a:buNone/>
               <a:defRPr sz="933"/>
             </a:lvl2pPr>
-            <a:lvl3pPr marL="609630" indent="0">
+            <a:lvl3pPr marL="609642" indent="0">
               <a:buNone/>
               <a:defRPr sz="800"/>
             </a:lvl3pPr>
-            <a:lvl4pPr marL="914446" indent="0">
+            <a:lvl4pPr marL="914464" indent="0">
               <a:buNone/>
               <a:defRPr sz="667"/>
             </a:lvl4pPr>
-            <a:lvl5pPr marL="1219261" indent="0">
+            <a:lvl5pPr marL="1219285" indent="0">
               <a:buNone/>
               <a:defRPr sz="667"/>
             </a:lvl5pPr>
-            <a:lvl6pPr marL="1524076" indent="0">
+            <a:lvl6pPr marL="1524106" indent="0">
               <a:buNone/>
               <a:defRPr sz="667"/>
             </a:lvl6pPr>
-            <a:lvl7pPr marL="1828891" indent="0">
+            <a:lvl7pPr marL="1828927" indent="0">
               <a:buNone/>
               <a:defRPr sz="667"/>
             </a:lvl7pPr>
-            <a:lvl8pPr marL="2133707" indent="0">
+            <a:lvl8pPr marL="2133750" indent="0">
               <a:buNone/>
               <a:defRPr sz="667"/>
             </a:lvl8pPr>
-            <a:lvl9pPr marL="2438522" indent="0">
+            <a:lvl9pPr marL="2438571" indent="0">
               <a:buNone/>
               <a:defRPr sz="667"/>
             </a:lvl9pPr>
@@ -2096,7 +2096,7 @@
           <a:p>
             <a:fld id="{56F6A349-4F42-4F7C-857D-6BFF6B6F337C}" type="datetimeFigureOut">
               <a:rPr lang="en-US" smtClean="0"/>
-              <a:t>2/13/2019</a:t>
+              <a:t>2/16/2019</a:t>
             </a:fld>
             <a:endParaRPr lang="en-US"/>
           </a:p>
@@ -2186,7 +2186,7 @@
         </p:nvSpPr>
         <p:spPr>
           <a:xfrm>
-            <a:off x="440889" y="304800"/>
+            <a:off x="440890" y="304800"/>
             <a:ext cx="2064425" cy="1066800"/>
           </a:xfrm>
         </p:spPr>
@@ -2218,7 +2218,7 @@
         </p:nvSpPr>
         <p:spPr>
           <a:xfrm>
-            <a:off x="2721174" y="658285"/>
+            <a:off x="2721175" y="658286"/>
             <a:ext cx="3240405" cy="3249083"/>
           </a:xfrm>
         </p:spPr>
@@ -2229,35 +2229,35 @@
               <a:buNone/>
               <a:defRPr sz="2133"/>
             </a:lvl1pPr>
-            <a:lvl2pPr marL="304815" indent="0">
+            <a:lvl2pPr marL="304821" indent="0">
               <a:buNone/>
               <a:defRPr sz="1867"/>
             </a:lvl2pPr>
-            <a:lvl3pPr marL="609630" indent="0">
+            <a:lvl3pPr marL="609642" indent="0">
               <a:buNone/>
               <a:defRPr sz="1600"/>
             </a:lvl3pPr>
-            <a:lvl4pPr marL="914446" indent="0">
+            <a:lvl4pPr marL="914464" indent="0">
               <a:buNone/>
               <a:defRPr sz="1333"/>
             </a:lvl4pPr>
-            <a:lvl5pPr marL="1219261" indent="0">
+            <a:lvl5pPr marL="1219285" indent="0">
               <a:buNone/>
               <a:defRPr sz="1333"/>
             </a:lvl5pPr>
-            <a:lvl6pPr marL="1524076" indent="0">
+            <a:lvl6pPr marL="1524106" indent="0">
               <a:buNone/>
               <a:defRPr sz="1333"/>
             </a:lvl6pPr>
-            <a:lvl7pPr marL="1828891" indent="0">
+            <a:lvl7pPr marL="1828927" indent="0">
               <a:buNone/>
               <a:defRPr sz="1333"/>
             </a:lvl7pPr>
-            <a:lvl8pPr marL="2133707" indent="0">
+            <a:lvl8pPr marL="2133750" indent="0">
               <a:buNone/>
               <a:defRPr sz="1333"/>
             </a:lvl8pPr>
-            <a:lvl9pPr marL="2438522" indent="0">
+            <a:lvl9pPr marL="2438571" indent="0">
               <a:buNone/>
               <a:defRPr sz="1333"/>
             </a:lvl9pPr>
@@ -2283,7 +2283,7 @@
         </p:nvSpPr>
         <p:spPr>
           <a:xfrm>
-            <a:off x="440889" y="1371600"/>
+            <a:off x="440890" y="1371601"/>
             <a:ext cx="2064425" cy="2541059"/>
           </a:xfrm>
         </p:spPr>
@@ -2294,35 +2294,35 @@
               <a:buNone/>
               <a:defRPr sz="1067"/>
             </a:lvl1pPr>
-            <a:lvl2pPr marL="304815" indent="0">
+            <a:lvl2pPr marL="304821" indent="0">
               <a:buNone/>
               <a:defRPr sz="933"/>
             </a:lvl2pPr>
-            <a:lvl3pPr marL="609630" indent="0">
+            <a:lvl3pPr marL="609642" indent="0">
               <a:buNone/>
               <a:defRPr sz="800"/>
             </a:lvl3pPr>
-            <a:lvl4pPr marL="914446" indent="0">
+            <a:lvl4pPr marL="914464" indent="0">
               <a:buNone/>
               <a:defRPr sz="667"/>
             </a:lvl4pPr>
-            <a:lvl5pPr marL="1219261" indent="0">
+            <a:lvl5pPr marL="1219285" indent="0">
               <a:buNone/>
               <a:defRPr sz="667"/>
             </a:lvl5pPr>
-            <a:lvl6pPr marL="1524076" indent="0">
+            <a:lvl6pPr marL="1524106" indent="0">
               <a:buNone/>
               <a:defRPr sz="667"/>
             </a:lvl6pPr>
-            <a:lvl7pPr marL="1828891" indent="0">
+            <a:lvl7pPr marL="1828927" indent="0">
               <a:buNone/>
               <a:defRPr sz="667"/>
             </a:lvl7pPr>
-            <a:lvl8pPr marL="2133707" indent="0">
+            <a:lvl8pPr marL="2133750" indent="0">
               <a:buNone/>
               <a:defRPr sz="667"/>
             </a:lvl8pPr>
-            <a:lvl9pPr marL="2438522" indent="0">
+            <a:lvl9pPr marL="2438571" indent="0">
               <a:buNone/>
               <a:defRPr sz="667"/>
             </a:lvl9pPr>
@@ -2353,7 +2353,7 @@
           <a:p>
             <a:fld id="{56F6A349-4F42-4F7C-857D-6BFF6B6F337C}" type="datetimeFigureOut">
               <a:rPr lang="en-US" smtClean="0"/>
-              <a:t>2/13/2019</a:t>
+              <a:t>2/16/2019</a:t>
             </a:fld>
             <a:endParaRPr lang="en-US"/>
           </a:p>
@@ -2448,7 +2448,7 @@
         </p:nvSpPr>
         <p:spPr>
           <a:xfrm>
-            <a:off x="440055" y="243418"/>
+            <a:off x="440055" y="243419"/>
             <a:ext cx="5520690" cy="883709"/>
           </a:xfrm>
           <a:prstGeom prst="rect">
@@ -2543,7 +2543,7 @@
         </p:nvSpPr>
         <p:spPr>
           <a:xfrm>
-            <a:off x="440055" y="4237568"/>
+            <a:off x="440055" y="4237569"/>
             <a:ext cx="1440180" cy="243417"/>
           </a:xfrm>
           <a:prstGeom prst="rect">
@@ -2566,7 +2566,7 @@
           <a:p>
             <a:fld id="{56F6A349-4F42-4F7C-857D-6BFF6B6F337C}" type="datetimeFigureOut">
               <a:rPr lang="en-US" smtClean="0"/>
-              <a:t>2/13/2019</a:t>
+              <a:t>2/16/2019</a:t>
             </a:fld>
             <a:endParaRPr lang="en-US"/>
           </a:p>
@@ -2584,7 +2584,7 @@
         </p:nvSpPr>
         <p:spPr>
           <a:xfrm>
-            <a:off x="2120265" y="4237568"/>
+            <a:off x="2120265" y="4237569"/>
             <a:ext cx="2160270" cy="243417"/>
           </a:xfrm>
           <a:prstGeom prst="rect">
@@ -2621,7 +2621,7 @@
         </p:nvSpPr>
         <p:spPr>
           <a:xfrm>
-            <a:off x="4520565" y="4237568"/>
+            <a:off x="4520565" y="4237569"/>
             <a:ext cx="1440180" cy="243417"/>
           </a:xfrm>
           <a:prstGeom prst="rect">
@@ -2673,7 +2673,7 @@
   </p:sldLayoutIdLst>
   <p:txStyles>
     <p:titleStyle>
-      <a:lvl1pPr algn="l" defTabSz="609630" rtl="0" eaLnBrk="1" latinLnBrk="0" hangingPunct="1">
+      <a:lvl1pPr algn="l" defTabSz="609642" rtl="0" eaLnBrk="1" latinLnBrk="0" hangingPunct="1">
         <a:lnSpc>
           <a:spcPct val="90000"/>
         </a:lnSpc>
@@ -2692,7 +2692,7 @@
       </a:lvl1pPr>
     </p:titleStyle>
     <p:bodyStyle>
-      <a:lvl1pPr marL="152408" indent="-152408" algn="l" defTabSz="609630" rtl="0" eaLnBrk="1" latinLnBrk="0" hangingPunct="1">
+      <a:lvl1pPr marL="152411" indent="-152411" algn="l" defTabSz="609642" rtl="0" eaLnBrk="1" latinLnBrk="0" hangingPunct="1">
         <a:lnSpc>
           <a:spcPct val="90000"/>
         </a:lnSpc>
@@ -2710,7 +2710,7 @@
           <a:cs typeface="+mn-cs"/>
         </a:defRPr>
       </a:lvl1pPr>
-      <a:lvl2pPr marL="457223" indent="-152408" algn="l" defTabSz="609630" rtl="0" eaLnBrk="1" latinLnBrk="0" hangingPunct="1">
+      <a:lvl2pPr marL="457232" indent="-152411" algn="l" defTabSz="609642" rtl="0" eaLnBrk="1" latinLnBrk="0" hangingPunct="1">
         <a:lnSpc>
           <a:spcPct val="90000"/>
         </a:lnSpc>
@@ -2728,7 +2728,7 @@
           <a:cs typeface="+mn-cs"/>
         </a:defRPr>
       </a:lvl2pPr>
-      <a:lvl3pPr marL="762038" indent="-152408" algn="l" defTabSz="609630" rtl="0" eaLnBrk="1" latinLnBrk="0" hangingPunct="1">
+      <a:lvl3pPr marL="762053" indent="-152411" algn="l" defTabSz="609642" rtl="0" eaLnBrk="1" latinLnBrk="0" hangingPunct="1">
         <a:lnSpc>
           <a:spcPct val="90000"/>
         </a:lnSpc>
@@ -2746,7 +2746,7 @@
           <a:cs typeface="+mn-cs"/>
         </a:defRPr>
       </a:lvl3pPr>
-      <a:lvl4pPr marL="1066853" indent="-152408" algn="l" defTabSz="609630" rtl="0" eaLnBrk="1" latinLnBrk="0" hangingPunct="1">
+      <a:lvl4pPr marL="1066874" indent="-152411" algn="l" defTabSz="609642" rtl="0" eaLnBrk="1" latinLnBrk="0" hangingPunct="1">
         <a:lnSpc>
           <a:spcPct val="90000"/>
         </a:lnSpc>
@@ -2764,7 +2764,7 @@
           <a:cs typeface="+mn-cs"/>
         </a:defRPr>
       </a:lvl4pPr>
-      <a:lvl5pPr marL="1371669" indent="-152408" algn="l" defTabSz="609630" rtl="0" eaLnBrk="1" latinLnBrk="0" hangingPunct="1">
+      <a:lvl5pPr marL="1371697" indent="-152411" algn="l" defTabSz="609642" rtl="0" eaLnBrk="1" latinLnBrk="0" hangingPunct="1">
         <a:lnSpc>
           <a:spcPct val="90000"/>
         </a:lnSpc>
@@ -2782,7 +2782,7 @@
           <a:cs typeface="+mn-cs"/>
         </a:defRPr>
       </a:lvl5pPr>
-      <a:lvl6pPr marL="1676484" indent="-152408" algn="l" defTabSz="609630" rtl="0" eaLnBrk="1" latinLnBrk="0" hangingPunct="1">
+      <a:lvl6pPr marL="1676518" indent="-152411" algn="l" defTabSz="609642" rtl="0" eaLnBrk="1" latinLnBrk="0" hangingPunct="1">
         <a:lnSpc>
           <a:spcPct val="90000"/>
         </a:lnSpc>
@@ -2800,7 +2800,7 @@
           <a:cs typeface="+mn-cs"/>
         </a:defRPr>
       </a:lvl6pPr>
-      <a:lvl7pPr marL="1981299" indent="-152408" algn="l" defTabSz="609630" rtl="0" eaLnBrk="1" latinLnBrk="0" hangingPunct="1">
+      <a:lvl7pPr marL="1981339" indent="-152411" algn="l" defTabSz="609642" rtl="0" eaLnBrk="1" latinLnBrk="0" hangingPunct="1">
         <a:lnSpc>
           <a:spcPct val="90000"/>
         </a:lnSpc>
@@ -2818,7 +2818,7 @@
           <a:cs typeface="+mn-cs"/>
         </a:defRPr>
       </a:lvl7pPr>
-      <a:lvl8pPr marL="2286114" indent="-152408" algn="l" defTabSz="609630" rtl="0" eaLnBrk="1" latinLnBrk="0" hangingPunct="1">
+      <a:lvl8pPr marL="2286160" indent="-152411" algn="l" defTabSz="609642" rtl="0" eaLnBrk="1" latinLnBrk="0" hangingPunct="1">
         <a:lnSpc>
           <a:spcPct val="90000"/>
         </a:lnSpc>
@@ -2836,7 +2836,7 @@
           <a:cs typeface="+mn-cs"/>
         </a:defRPr>
       </a:lvl8pPr>
-      <a:lvl9pPr marL="2590930" indent="-152408" algn="l" defTabSz="609630" rtl="0" eaLnBrk="1" latinLnBrk="0" hangingPunct="1">
+      <a:lvl9pPr marL="2590982" indent="-152411" algn="l" defTabSz="609642" rtl="0" eaLnBrk="1" latinLnBrk="0" hangingPunct="1">
         <a:lnSpc>
           <a:spcPct val="90000"/>
         </a:lnSpc>
@@ -2859,7 +2859,7 @@
       <a:defPPr>
         <a:defRPr lang="en-US"/>
       </a:defPPr>
-      <a:lvl1pPr marL="0" algn="l" defTabSz="609630" rtl="0" eaLnBrk="1" latinLnBrk="0" hangingPunct="1">
+      <a:lvl1pPr marL="0" algn="l" defTabSz="609642" rtl="0" eaLnBrk="1" latinLnBrk="0" hangingPunct="1">
         <a:defRPr sz="1200" kern="1200">
           <a:solidFill>
             <a:schemeClr val="tx1"/>
@@ -2869,7 +2869,7 @@
           <a:cs typeface="+mn-cs"/>
         </a:defRPr>
       </a:lvl1pPr>
-      <a:lvl2pPr marL="304815" algn="l" defTabSz="609630" rtl="0" eaLnBrk="1" latinLnBrk="0" hangingPunct="1">
+      <a:lvl2pPr marL="304821" algn="l" defTabSz="609642" rtl="0" eaLnBrk="1" latinLnBrk="0" hangingPunct="1">
         <a:defRPr sz="1200" kern="1200">
           <a:solidFill>
             <a:schemeClr val="tx1"/>
@@ -2879,7 +2879,7 @@
           <a:cs typeface="+mn-cs"/>
         </a:defRPr>
       </a:lvl2pPr>
-      <a:lvl3pPr marL="609630" algn="l" defTabSz="609630" rtl="0" eaLnBrk="1" latinLnBrk="0" hangingPunct="1">
+      <a:lvl3pPr marL="609642" algn="l" defTabSz="609642" rtl="0" eaLnBrk="1" latinLnBrk="0" hangingPunct="1">
         <a:defRPr sz="1200" kern="1200">
           <a:solidFill>
             <a:schemeClr val="tx1"/>
@@ -2889,7 +2889,7 @@
           <a:cs typeface="+mn-cs"/>
         </a:defRPr>
       </a:lvl3pPr>
-      <a:lvl4pPr marL="914446" algn="l" defTabSz="609630" rtl="0" eaLnBrk="1" latinLnBrk="0" hangingPunct="1">
+      <a:lvl4pPr marL="914464" algn="l" defTabSz="609642" rtl="0" eaLnBrk="1" latinLnBrk="0" hangingPunct="1">
         <a:defRPr sz="1200" kern="1200">
           <a:solidFill>
             <a:schemeClr val="tx1"/>
@@ -2899,7 +2899,7 @@
           <a:cs typeface="+mn-cs"/>
         </a:defRPr>
       </a:lvl4pPr>
-      <a:lvl5pPr marL="1219261" algn="l" defTabSz="609630" rtl="0" eaLnBrk="1" latinLnBrk="0" hangingPunct="1">
+      <a:lvl5pPr marL="1219285" algn="l" defTabSz="609642" rtl="0" eaLnBrk="1" latinLnBrk="0" hangingPunct="1">
         <a:defRPr sz="1200" kern="1200">
           <a:solidFill>
             <a:schemeClr val="tx1"/>
@@ -2909,7 +2909,7 @@
           <a:cs typeface="+mn-cs"/>
         </a:defRPr>
       </a:lvl5pPr>
-      <a:lvl6pPr marL="1524076" algn="l" defTabSz="609630" rtl="0" eaLnBrk="1" latinLnBrk="0" hangingPunct="1">
+      <a:lvl6pPr marL="1524106" algn="l" defTabSz="609642" rtl="0" eaLnBrk="1" latinLnBrk="0" hangingPunct="1">
         <a:defRPr sz="1200" kern="1200">
           <a:solidFill>
             <a:schemeClr val="tx1"/>
@@ -2919,7 +2919,7 @@
           <a:cs typeface="+mn-cs"/>
         </a:defRPr>
       </a:lvl6pPr>
-      <a:lvl7pPr marL="1828891" algn="l" defTabSz="609630" rtl="0" eaLnBrk="1" latinLnBrk="0" hangingPunct="1">
+      <a:lvl7pPr marL="1828927" algn="l" defTabSz="609642" rtl="0" eaLnBrk="1" latinLnBrk="0" hangingPunct="1">
         <a:defRPr sz="1200" kern="1200">
           <a:solidFill>
             <a:schemeClr val="tx1"/>
@@ -2929,7 +2929,7 @@
           <a:cs typeface="+mn-cs"/>
         </a:defRPr>
       </a:lvl7pPr>
-      <a:lvl8pPr marL="2133707" algn="l" defTabSz="609630" rtl="0" eaLnBrk="1" latinLnBrk="0" hangingPunct="1">
+      <a:lvl8pPr marL="2133750" algn="l" defTabSz="609642" rtl="0" eaLnBrk="1" latinLnBrk="0" hangingPunct="1">
         <a:defRPr sz="1200" kern="1200">
           <a:solidFill>
             <a:schemeClr val="tx1"/>
@@ -2939,7 +2939,7 @@
           <a:cs typeface="+mn-cs"/>
         </a:defRPr>
       </a:lvl8pPr>
-      <a:lvl9pPr marL="2438522" algn="l" defTabSz="609630" rtl="0" eaLnBrk="1" latinLnBrk="0" hangingPunct="1">
+      <a:lvl9pPr marL="2438571" algn="l" defTabSz="609642" rtl="0" eaLnBrk="1" latinLnBrk="0" hangingPunct="1">
         <a:defRPr sz="1200" kern="1200">
           <a:solidFill>
             <a:schemeClr val="tx1"/>
@@ -2979,8 +2979,72 @@
         </p:nvSpPr>
         <p:spPr>
           <a:xfrm>
-            <a:off x="1587254" y="306551"/>
+            <a:off x="1337449" y="306551"/>
             <a:ext cx="3330399" cy="461665"/>
+          </a:xfrm>
+          <a:prstGeom prst="rect">
+            <a:avLst/>
+          </a:prstGeom>
+          <a:solidFill>
+            <a:schemeClr val="accent6">
+              <a:lumMod val="20000"/>
+              <a:lumOff val="80000"/>
+            </a:schemeClr>
+          </a:solidFill>
+        </p:spPr>
+        <p:txBody>
+          <a:bodyPr wrap="none" rtlCol="0">
+            <a:spAutoFit/>
+          </a:bodyPr>
+          <a:lstStyle/>
+          <a:p>
+            <a:pPr algn="ctr"/>
+            <a:r>
+              <a:rPr lang="en-US" sz="1200" dirty="0"/>
+              <a:t>Top level folder, e.g. </a:t>
+            </a:r>
+            <a:r>
+              <a:rPr lang="en-US" sz="1200" dirty="0" err="1" smtClean="0">
+                <a:solidFill>
+                  <a:srgbClr val="0070C0"/>
+                </a:solidFill>
+              </a:rPr>
+              <a:t>ATopLevelDir</a:t>
+            </a:r>
+            <a:r>
+              <a:rPr lang="en-US" sz="1200" dirty="0" smtClean="0">
+                <a:solidFill>
+                  <a:srgbClr val="0070C0"/>
+                </a:solidFill>
+              </a:rPr>
+              <a:t>/</a:t>
+            </a:r>
+            <a:endParaRPr lang="en-US" sz="1200" dirty="0">
+              <a:solidFill>
+                <a:srgbClr val="0070C0"/>
+              </a:solidFill>
+            </a:endParaRPr>
+          </a:p>
+          <a:p>
+            <a:pPr algn="ctr"/>
+            <a:r>
+              <a:rPr lang="en-US" sz="1200" dirty="0"/>
+              <a:t>(named to provide info on the purpose of the test)</a:t>
+            </a:r>
+            <a:endParaRPr lang="en-US" sz="1200" dirty="0"/>
+          </a:p>
+        </p:txBody>
+      </p:sp>
+      <p:sp>
+        <p:nvSpPr>
+          <p:cNvPr id="8" name="TextBox 7"/>
+          <p:cNvSpPr txBox="1"/>
+          <p:nvPr/>
+        </p:nvSpPr>
+        <p:spPr>
+          <a:xfrm>
+            <a:off x="244808" y="998177"/>
+            <a:ext cx="1338897" cy="1384995"/>
           </a:xfrm>
           <a:prstGeom prst="rect">
             <a:avLst/>
@@ -2988,38 +3052,69 @@
           <a:noFill/>
         </p:spPr>
         <p:txBody>
-          <a:bodyPr wrap="none" rtlCol="0">
+          <a:bodyPr wrap="square" rtlCol="0">
             <a:spAutoFit/>
           </a:bodyPr>
           <a:lstStyle/>
           <a:p>
             <a:pPr algn="ctr"/>
             <a:r>
-              <a:rPr lang="en-US" sz="1200" dirty="0" smtClean="0"/>
-              <a:t>Top level folder, e.g. </a:t>
-            </a:r>
-            <a:r>
-              <a:rPr lang="en-US" sz="1200" dirty="0" err="1" smtClean="0">
+              <a:rPr lang="en-US" sz="1200" dirty="0">
                 <a:solidFill>
                   <a:srgbClr val="0070C0"/>
                 </a:solidFill>
               </a:rPr>
-              <a:t>syn.apobec.and.UV</a:t>
-            </a:r>
-            <a:r>
-              <a:rPr lang="en-US" sz="1200" dirty="0" smtClean="0">
+              <a:t>sa.exposure.csv</a:t>
+            </a:r>
+          </a:p>
+          <a:p>
+            <a:pPr algn="ctr"/>
+            <a:r>
+              <a:rPr lang="en-US" sz="1200" dirty="0">
                 <a:solidFill>
                   <a:srgbClr val="0070C0"/>
                 </a:solidFill>
               </a:rPr>
-              <a:t>/</a:t>
+              <a:t>sp.exposure.csv</a:t>
             </a:r>
           </a:p>
           <a:p>
             <a:pPr algn="ctr"/>
             <a:r>
-              <a:rPr lang="en-US" sz="1200" dirty="0" smtClean="0"/>
-              <a:t>(named to provide info on the purpose of the test)</a:t>
+              <a:rPr lang="en-US" sz="1200" dirty="0" err="1">
+                <a:solidFill>
+                  <a:srgbClr val="0070C0"/>
+                </a:solidFill>
+              </a:rPr>
+              <a:t>sa.parms</a:t>
+            </a:r>
+            <a:endParaRPr lang="en-US" sz="1200" dirty="0">
+              <a:solidFill>
+                <a:srgbClr val="0070C0"/>
+              </a:solidFill>
+            </a:endParaRPr>
+          </a:p>
+          <a:p>
+            <a:pPr algn="ctr"/>
+            <a:r>
+              <a:rPr lang="en-US" sz="1200" dirty="0" err="1">
+                <a:solidFill>
+                  <a:srgbClr val="0070C0"/>
+                </a:solidFill>
+              </a:rPr>
+              <a:t>sp.parms</a:t>
+            </a:r>
+            <a:endParaRPr lang="en-US" sz="1200" dirty="0">
+              <a:solidFill>
+                <a:srgbClr val="0070C0"/>
+              </a:solidFill>
+            </a:endParaRPr>
+          </a:p>
+          <a:p>
+            <a:pPr algn="ctr"/>
+            <a:r>
+              <a:rPr lang="en-US" sz="1200" dirty="0"/>
+              <a:t>(possibly other files for documentation)</a:t>
             </a:r>
             <a:endParaRPr lang="en-US" sz="1200" dirty="0"/>
           </a:p>
@@ -3027,14 +3122,14 @@
       </p:sp>
       <p:sp>
         <p:nvSpPr>
-          <p:cNvPr id="8" name="TextBox 7"/>
+          <p:cNvPr id="9" name="TextBox 8"/>
           <p:cNvSpPr txBox="1"/>
           <p:nvPr/>
         </p:nvSpPr>
         <p:spPr>
           <a:xfrm>
-            <a:off x="207097" y="977749"/>
-            <a:ext cx="1798008" cy="1200329"/>
+            <a:off x="1700308" y="974612"/>
+            <a:ext cx="1344214" cy="276999"/>
           </a:xfrm>
           <a:prstGeom prst="rect">
             <a:avLst/>
@@ -3042,101 +3137,6 @@
           <a:noFill/>
         </p:spPr>
         <p:txBody>
-          <a:bodyPr wrap="square" rtlCol="0">
-            <a:spAutoFit/>
-          </a:bodyPr>
-          <a:lstStyle/>
-          <a:p>
-            <a:pPr algn="ctr"/>
-            <a:r>
-              <a:rPr lang="en-US" sz="1200" dirty="0" smtClean="0">
-                <a:solidFill>
-                  <a:srgbClr val="0070C0"/>
-                </a:solidFill>
-              </a:rPr>
-              <a:t>sa.exposure.csv</a:t>
-            </a:r>
-            <a:endParaRPr lang="en-US" sz="1200" dirty="0" smtClean="0">
-              <a:solidFill>
-                <a:srgbClr val="0070C0"/>
-              </a:solidFill>
-            </a:endParaRPr>
-          </a:p>
-          <a:p>
-            <a:pPr algn="ctr"/>
-            <a:r>
-              <a:rPr lang="en-US" sz="1200" dirty="0" smtClean="0">
-                <a:solidFill>
-                  <a:srgbClr val="0070C0"/>
-                </a:solidFill>
-              </a:rPr>
-              <a:t>sp.exposure.csv</a:t>
-            </a:r>
-            <a:endParaRPr lang="en-US" sz="1200" dirty="0" smtClean="0">
-              <a:solidFill>
-                <a:srgbClr val="0070C0"/>
-              </a:solidFill>
-            </a:endParaRPr>
-          </a:p>
-          <a:p>
-            <a:pPr algn="ctr"/>
-            <a:r>
-              <a:rPr lang="en-US" sz="1200" dirty="0" err="1" smtClean="0">
-                <a:solidFill>
-                  <a:srgbClr val="0070C0"/>
-                </a:solidFill>
-              </a:rPr>
-              <a:t>sa.parms</a:t>
-            </a:r>
-            <a:endParaRPr lang="en-US" sz="1200" dirty="0" smtClean="0">
-              <a:solidFill>
-                <a:srgbClr val="0070C0"/>
-              </a:solidFill>
-            </a:endParaRPr>
-          </a:p>
-          <a:p>
-            <a:pPr algn="ctr"/>
-            <a:r>
-              <a:rPr lang="en-US" sz="1200" dirty="0" err="1" smtClean="0">
-                <a:solidFill>
-                  <a:srgbClr val="0070C0"/>
-                </a:solidFill>
-              </a:rPr>
-              <a:t>sp.parms</a:t>
-            </a:r>
-            <a:endParaRPr lang="en-US" sz="1200" dirty="0" smtClean="0">
-              <a:solidFill>
-                <a:srgbClr val="0070C0"/>
-              </a:solidFill>
-            </a:endParaRPr>
-          </a:p>
-          <a:p>
-            <a:pPr algn="ctr"/>
-            <a:r>
-              <a:rPr lang="en-US" sz="1200" dirty="0" smtClean="0"/>
-              <a:t>(possibly other files for documentation)</a:t>
-            </a:r>
-            <a:endParaRPr lang="en-US" sz="1200" dirty="0"/>
-          </a:p>
-        </p:txBody>
-      </p:sp>
-      <p:sp>
-        <p:nvSpPr>
-          <p:cNvPr id="9" name="TextBox 8"/>
-          <p:cNvSpPr txBox="1"/>
-          <p:nvPr/>
-        </p:nvSpPr>
-        <p:spPr>
-          <a:xfrm>
-            <a:off x="1917119" y="977749"/>
-            <a:ext cx="1344215" cy="276999"/>
-          </a:xfrm>
-          <a:prstGeom prst="rect">
-            <a:avLst/>
-          </a:prstGeom>
-          <a:noFill/>
-        </p:spPr>
-        <p:txBody>
           <a:bodyPr wrap="none" rtlCol="0">
             <a:spAutoFit/>
           </a:bodyPr>
@@ -3144,7 +3144,7 @@
           <a:p>
             <a:pPr algn="ctr"/>
             <a:r>
-              <a:rPr lang="en-US" sz="1200" dirty="0" smtClean="0">
+              <a:rPr lang="en-US" sz="1200" dirty="0">
                 <a:solidFill>
                   <a:srgbClr val="0070C0"/>
                 </a:solidFill>
@@ -3167,7 +3167,7 @@
         </p:nvSpPr>
         <p:spPr>
           <a:xfrm>
-            <a:off x="3315709" y="977749"/>
+            <a:off x="3084759" y="974613"/>
             <a:ext cx="782587" cy="276999"/>
           </a:xfrm>
           <a:prstGeom prst="rect">
@@ -3183,7 +3183,7 @@
           <a:p>
             <a:pPr algn="ctr"/>
             <a:r>
-              <a:rPr lang="en-US" sz="1200" dirty="0" smtClean="0">
+              <a:rPr lang="en-US" sz="1200" dirty="0">
                 <a:solidFill>
                   <a:srgbClr val="0070C0"/>
                 </a:solidFill>
@@ -3206,7 +3206,7 @@
         </p:nvSpPr>
         <p:spPr>
           <a:xfrm>
-            <a:off x="4108579" y="977749"/>
+            <a:off x="3877630" y="974613"/>
             <a:ext cx="1350626" cy="646331"/>
           </a:xfrm>
           <a:prstGeom prst="rect">
@@ -3222,7 +3222,7 @@
           <a:p>
             <a:pPr algn="ctr"/>
             <a:r>
-              <a:rPr lang="en-US" sz="1200" dirty="0" smtClean="0">
+              <a:rPr lang="en-US" sz="1200" dirty="0">
                 <a:solidFill>
                   <a:srgbClr val="0070C0"/>
                 </a:solidFill>
@@ -3237,7 +3237,7 @@
           <a:p>
             <a:pPr algn="ctr"/>
             <a:r>
-              <a:rPr lang="en-US" sz="1200" dirty="0" smtClean="0"/>
+              <a:rPr lang="en-US" sz="1200" dirty="0"/>
               <a:t>(same)</a:t>
             </a:r>
             <a:endParaRPr lang="en-US" sz="1200" dirty="0"/>
@@ -3252,8 +3252,203 @@
         </p:nvSpPr>
         <p:spPr>
           <a:xfrm>
-            <a:off x="5534799" y="977749"/>
-            <a:ext cx="612668" cy="646331"/>
+            <a:off x="5020114" y="1231573"/>
+            <a:ext cx="1142429" cy="1754326"/>
+          </a:xfrm>
+          <a:prstGeom prst="rect">
+            <a:avLst/>
+          </a:prstGeom>
+          <a:solidFill>
+            <a:schemeClr val="accent6">
+              <a:lumMod val="20000"/>
+              <a:lumOff val="80000"/>
+            </a:schemeClr>
+          </a:solidFill>
+        </p:spPr>
+        <p:txBody>
+          <a:bodyPr wrap="none" rtlCol="0">
+            <a:spAutoFit/>
+          </a:bodyPr>
+          <a:lstStyle/>
+          <a:p>
+            <a:r>
+              <a:rPr lang="en-US" sz="1200" dirty="0">
+                <a:solidFill>
+                  <a:srgbClr val="0070C0"/>
+                </a:solidFill>
+              </a:rPr>
+              <a:t>input.sigs.csv</a:t>
+            </a:r>
+          </a:p>
+          <a:p>
+            <a:r>
+              <a:rPr lang="en-US" sz="1200" dirty="0">
+                <a:solidFill>
+                  <a:srgbClr val="0070C0"/>
+                </a:solidFill>
+              </a:rPr>
+              <a:t>syn.data.csv</a:t>
+            </a:r>
+          </a:p>
+          <a:p>
+            <a:r>
+              <a:rPr lang="en-US" sz="1200" dirty="0" err="1">
+                <a:solidFill>
+                  <a:srgbClr val="C00000"/>
+                </a:solidFill>
+              </a:rPr>
+              <a:t>sa.results</a:t>
+            </a:r>
+            <a:r>
+              <a:rPr lang="en-US" sz="1200" dirty="0">
+                <a:solidFill>
+                  <a:srgbClr val="C00000"/>
+                </a:solidFill>
+              </a:rPr>
+              <a:t>/</a:t>
+            </a:r>
+          </a:p>
+          <a:p>
+            <a:r>
+              <a:rPr lang="en-US" sz="1200" dirty="0">
+                <a:solidFill>
+                  <a:srgbClr val="C00000"/>
+                </a:solidFill>
+              </a:rPr>
+              <a:t>    </a:t>
+            </a:r>
+            <a:r>
+              <a:rPr lang="en-US" sz="1200" dirty="0" err="1">
+                <a:solidFill>
+                  <a:srgbClr val="C00000"/>
+                </a:solidFill>
+              </a:rPr>
+              <a:t>sa.best.run</a:t>
+            </a:r>
+            <a:r>
+              <a:rPr lang="en-US" sz="1200" dirty="0">
+                <a:solidFill>
+                  <a:srgbClr val="C00000"/>
+                </a:solidFill>
+              </a:rPr>
+              <a:t>/</a:t>
+            </a:r>
+          </a:p>
+          <a:p>
+            <a:r>
+              <a:rPr lang="en-US" sz="1200" dirty="0">
+                <a:solidFill>
+                  <a:srgbClr val="C00000"/>
+                </a:solidFill>
+              </a:rPr>
+              <a:t>    </a:t>
+            </a:r>
+            <a:r>
+              <a:rPr lang="en-US" sz="1200" dirty="0" err="1">
+                <a:solidFill>
+                  <a:srgbClr val="C00000"/>
+                </a:solidFill>
+              </a:rPr>
+              <a:t>sa.summary</a:t>
+            </a:r>
+            <a:r>
+              <a:rPr lang="en-US" sz="1200" dirty="0">
+                <a:solidFill>
+                  <a:srgbClr val="C00000"/>
+                </a:solidFill>
+              </a:rPr>
+              <a:t>/</a:t>
+            </a:r>
+          </a:p>
+          <a:p>
+            <a:r>
+              <a:rPr lang="en-US" sz="1200" dirty="0">
+                <a:solidFill>
+                  <a:srgbClr val="C00000"/>
+                </a:solidFill>
+              </a:rPr>
+              <a:t>    </a:t>
+            </a:r>
+            <a:r>
+              <a:rPr lang="en-US" sz="1200" dirty="0" err="1">
+                <a:solidFill>
+                  <a:srgbClr val="C00000"/>
+                </a:solidFill>
+              </a:rPr>
+              <a:t>sa.run.1</a:t>
+            </a:r>
+            <a:r>
+              <a:rPr lang="en-US" sz="1200" dirty="0">
+                <a:solidFill>
+                  <a:srgbClr val="C00000"/>
+                </a:solidFill>
+              </a:rPr>
+              <a:t>/</a:t>
+            </a:r>
+          </a:p>
+          <a:p>
+            <a:r>
+              <a:rPr lang="en-US" sz="1200" dirty="0">
+                <a:solidFill>
+                  <a:srgbClr val="C00000"/>
+                </a:solidFill>
+              </a:rPr>
+              <a:t>    </a:t>
+            </a:r>
+            <a:r>
+              <a:rPr lang="en-US" sz="1200" dirty="0" err="1">
+                <a:solidFill>
+                  <a:srgbClr val="C00000"/>
+                </a:solidFill>
+              </a:rPr>
+              <a:t>sa.run.2</a:t>
+            </a:r>
+            <a:r>
+              <a:rPr lang="en-US" sz="1200" dirty="0">
+                <a:solidFill>
+                  <a:srgbClr val="C00000"/>
+                </a:solidFill>
+              </a:rPr>
+              <a:t>/</a:t>
+            </a:r>
+          </a:p>
+          <a:p>
+            <a:endParaRPr lang="en-US" sz="1200" dirty="0">
+              <a:solidFill>
+                <a:srgbClr val="C00000"/>
+              </a:solidFill>
+            </a:endParaRPr>
+          </a:p>
+          <a:p>
+            <a:r>
+              <a:rPr lang="en-US" sz="1200" dirty="0" err="1">
+                <a:solidFill>
+                  <a:srgbClr val="C00000"/>
+                </a:solidFill>
+              </a:rPr>
+              <a:t>sp.results</a:t>
+            </a:r>
+            <a:r>
+              <a:rPr lang="en-US" sz="1200" dirty="0">
+                <a:solidFill>
+                  <a:srgbClr val="C00000"/>
+                </a:solidFill>
+              </a:rPr>
+              <a:t>/</a:t>
+            </a:r>
+          </a:p>
+        </p:txBody>
+      </p:sp>
+      <p:sp>
+        <p:nvSpPr>
+          <p:cNvPr id="13" name="TextBox 12"/>
+          <p:cNvSpPr txBox="1"/>
+          <p:nvPr/>
+        </p:nvSpPr>
+        <p:spPr>
+          <a:xfrm>
+            <a:off x="1783111" y="1231573"/>
+            <a:ext cx="1142429" cy="1938992"/>
           </a:xfrm>
           <a:prstGeom prst="rect">
             <a:avLst/>
@@ -3266,48 +3461,226 @@
           </a:bodyPr>
           <a:lstStyle/>
           <a:p>
-            <a:pPr algn="ctr"/>
             <a:r>
               <a:rPr lang="en-US" sz="1200" dirty="0">
                 <a:solidFill>
                   <a:srgbClr val="0070C0"/>
                 </a:solidFill>
               </a:rPr>
+              <a:t>input.sigs.csv</a:t>
+            </a:r>
+          </a:p>
+          <a:p>
+            <a:r>
+              <a:rPr lang="en-US" sz="1200" dirty="0">
+                <a:solidFill>
+                  <a:srgbClr val="0070C0"/>
+                </a:solidFill>
+              </a:rPr>
+              <a:t>syn.data.csv</a:t>
+            </a:r>
+          </a:p>
+          <a:p>
+            <a:r>
+              <a:rPr lang="en-US" sz="1200" dirty="0" err="1">
+                <a:solidFill>
+                  <a:srgbClr val="C00000"/>
+                </a:solidFill>
+              </a:rPr>
               <a:t>s</a:t>
             </a:r>
             <a:r>
-              <a:rPr lang="en-US" sz="1200" dirty="0" smtClean="0">
-                <a:solidFill>
-                  <a:srgbClr val="0070C0"/>
-                </a:solidFill>
-              </a:rPr>
-              <a:t>p.sp /</a:t>
-            </a:r>
-          </a:p>
-          <a:p>
-            <a:pPr algn="ctr"/>
-            <a:endParaRPr lang="en-US" sz="1200" dirty="0"/>
-          </a:p>
-          <a:p>
-            <a:pPr algn="ctr"/>
-            <a:r>
-              <a:rPr lang="en-US" sz="1200" dirty="0" smtClean="0"/>
-              <a:t>(same)</a:t>
-            </a:r>
-            <a:endParaRPr lang="en-US" sz="1200" dirty="0"/>
-          </a:p>
-        </p:txBody>
-      </p:sp>
-      <p:sp>
-        <p:nvSpPr>
-          <p:cNvPr id="13" name="TextBox 12"/>
+              <a:rPr lang="en-US" sz="1200" dirty="0" err="1">
+                <a:solidFill>
+                  <a:srgbClr val="C00000"/>
+                </a:solidFill>
+              </a:rPr>
+              <a:t>a.results</a:t>
+            </a:r>
+            <a:r>
+              <a:rPr lang="en-US" sz="1200" dirty="0">
+                <a:solidFill>
+                  <a:srgbClr val="C00000"/>
+                </a:solidFill>
+              </a:rPr>
+              <a:t>/</a:t>
+            </a:r>
+          </a:p>
+          <a:p>
+            <a:r>
+              <a:rPr lang="en-US" sz="1200" dirty="0">
+                <a:solidFill>
+                  <a:srgbClr val="C00000"/>
+                </a:solidFill>
+              </a:rPr>
+              <a:t>    </a:t>
+            </a:r>
+            <a:r>
+              <a:rPr lang="en-US" sz="1200" dirty="0" err="1">
+                <a:solidFill>
+                  <a:srgbClr val="C00000"/>
+                </a:solidFill>
+              </a:rPr>
+              <a:t>sa.best.run</a:t>
+            </a:r>
+            <a:r>
+              <a:rPr lang="en-US" sz="1200" dirty="0">
+                <a:solidFill>
+                  <a:srgbClr val="C00000"/>
+                </a:solidFill>
+              </a:rPr>
+              <a:t>/</a:t>
+            </a:r>
+          </a:p>
+          <a:p>
+            <a:r>
+              <a:rPr lang="en-US" sz="1200" dirty="0">
+                <a:solidFill>
+                  <a:srgbClr val="C00000"/>
+                </a:solidFill>
+              </a:rPr>
+              <a:t> </a:t>
+            </a:r>
+            <a:r>
+              <a:rPr lang="en-US" sz="1200" dirty="0">
+                <a:solidFill>
+                  <a:srgbClr val="C00000"/>
+                </a:solidFill>
+              </a:rPr>
+              <a:t>   </a:t>
+            </a:r>
+            <a:r>
+              <a:rPr lang="en-US" sz="1200" dirty="0" err="1">
+                <a:solidFill>
+                  <a:srgbClr val="C00000"/>
+                </a:solidFill>
+              </a:rPr>
+              <a:t>sa.summary</a:t>
+            </a:r>
+            <a:r>
+              <a:rPr lang="en-US" sz="1200" dirty="0">
+                <a:solidFill>
+                  <a:srgbClr val="C00000"/>
+                </a:solidFill>
+              </a:rPr>
+              <a:t>/</a:t>
+            </a:r>
+          </a:p>
+          <a:p>
+            <a:r>
+              <a:rPr lang="en-US" sz="1200" dirty="0">
+                <a:solidFill>
+                  <a:srgbClr val="C00000"/>
+                </a:solidFill>
+              </a:rPr>
+              <a:t>    </a:t>
+            </a:r>
+            <a:r>
+              <a:rPr lang="en-US" sz="1200" dirty="0" err="1">
+                <a:solidFill>
+                  <a:srgbClr val="C00000"/>
+                </a:solidFill>
+              </a:rPr>
+              <a:t>sa.run.1</a:t>
+            </a:r>
+            <a:r>
+              <a:rPr lang="en-US" sz="1200" dirty="0">
+                <a:solidFill>
+                  <a:srgbClr val="C00000"/>
+                </a:solidFill>
+              </a:rPr>
+              <a:t>/</a:t>
+            </a:r>
+          </a:p>
+          <a:p>
+            <a:r>
+              <a:rPr lang="en-US" sz="1200" dirty="0">
+                <a:solidFill>
+                  <a:srgbClr val="C00000"/>
+                </a:solidFill>
+              </a:rPr>
+              <a:t>    </a:t>
+            </a:r>
+            <a:r>
+              <a:rPr lang="en-US" sz="1200" dirty="0" err="1">
+                <a:solidFill>
+                  <a:srgbClr val="C00000"/>
+                </a:solidFill>
+              </a:rPr>
+              <a:t>sa.run.2</a:t>
+            </a:r>
+            <a:r>
+              <a:rPr lang="en-US" sz="1200" dirty="0">
+                <a:solidFill>
+                  <a:srgbClr val="C00000"/>
+                </a:solidFill>
+              </a:rPr>
+              <a:t>/</a:t>
+            </a:r>
+          </a:p>
+          <a:p>
+            <a:endParaRPr lang="en-US" sz="1200" dirty="0">
+              <a:solidFill>
+                <a:srgbClr val="C00000"/>
+              </a:solidFill>
+            </a:endParaRPr>
+          </a:p>
+          <a:p>
+            <a:r>
+              <a:rPr lang="en-US" sz="1200" dirty="0" err="1">
+                <a:solidFill>
+                  <a:srgbClr val="C00000"/>
+                </a:solidFill>
+              </a:rPr>
+              <a:t>s</a:t>
+            </a:r>
+            <a:r>
+              <a:rPr lang="en-US" sz="1200" dirty="0" err="1">
+                <a:solidFill>
+                  <a:srgbClr val="C00000"/>
+                </a:solidFill>
+              </a:rPr>
+              <a:t>p.results</a:t>
+            </a:r>
+            <a:r>
+              <a:rPr lang="en-US" sz="1200" dirty="0">
+                <a:solidFill>
+                  <a:srgbClr val="C00000"/>
+                </a:solidFill>
+              </a:rPr>
+              <a:t>/</a:t>
+            </a:r>
+          </a:p>
+          <a:p>
+            <a:r>
+              <a:rPr lang="en-US" sz="1200" dirty="0">
+                <a:solidFill>
+                  <a:srgbClr val="C00000"/>
+                </a:solidFill>
+              </a:rPr>
+              <a:t> </a:t>
+            </a:r>
+            <a:r>
+              <a:rPr lang="en-US" sz="1200" dirty="0">
+                <a:solidFill>
+                  <a:srgbClr val="C00000"/>
+                </a:solidFill>
+              </a:rPr>
+              <a:t>   ….</a:t>
+            </a:r>
+          </a:p>
+        </p:txBody>
+      </p:sp>
+      <p:sp>
+        <p:nvSpPr>
+          <p:cNvPr id="14" name="TextBox 13"/>
           <p:cNvSpPr txBox="1"/>
           <p:nvPr/>
         </p:nvSpPr>
         <p:spPr>
           <a:xfrm>
-            <a:off x="2009348" y="1248034"/>
-            <a:ext cx="1142429" cy="1754326"/>
+            <a:off x="2948679" y="1231573"/>
+            <a:ext cx="1142429" cy="1938992"/>
           </a:xfrm>
           <a:prstGeom prst="rect">
             <a:avLst/>
@@ -3321,11 +3694,21 @@
           <a:lstStyle/>
           <a:p>
             <a:r>
-              <a:rPr lang="en-US" sz="1200" dirty="0" smtClean="0">
+              <a:rPr lang="en-US" sz="1200" dirty="0">
                 <a:solidFill>
                   <a:srgbClr val="0070C0"/>
                 </a:solidFill>
               </a:rPr>
+              <a:t>input.sigs.csv</a:t>
+            </a:r>
+          </a:p>
+          <a:p>
+            <a:r>
+              <a:rPr lang="en-US" sz="1200" dirty="0">
+                <a:solidFill>
+                  <a:srgbClr val="0070C0"/>
+                </a:solidFill>
+              </a:rPr>
               <a:t>syn.data.csv</a:t>
             </a:r>
           </a:p>
@@ -3339,7 +3722,7 @@
               <a:t>s</a:t>
             </a:r>
             <a:r>
-              <a:rPr lang="en-US" sz="1200" dirty="0" err="1" smtClean="0">
+              <a:rPr lang="en-US" sz="1200" dirty="0" err="1">
                 <a:solidFill>
                   <a:srgbClr val="C00000"/>
                 </a:solidFill>
@@ -3347,7 +3730,7 @@
               <a:t>a.results</a:t>
             </a:r>
             <a:r>
-              <a:rPr lang="en-US" sz="1200" dirty="0" smtClean="0">
+              <a:rPr lang="en-US" sz="1200" dirty="0">
                 <a:solidFill>
                   <a:srgbClr val="C00000"/>
                 </a:solidFill>
@@ -3357,7 +3740,7 @@
           </a:p>
           <a:p>
             <a:r>
-              <a:rPr lang="en-US" sz="1200" dirty="0" smtClean="0">
+              <a:rPr lang="en-US" sz="1200" dirty="0">
                 <a:solidFill>
                   <a:srgbClr val="C00000"/>
                 </a:solidFill>
@@ -3365,7 +3748,7 @@
               <a:t>    </a:t>
             </a:r>
             <a:r>
-              <a:rPr lang="en-US" sz="1200" dirty="0" err="1" smtClean="0">
+              <a:rPr lang="en-US" sz="1200" dirty="0" err="1">
                 <a:solidFill>
                   <a:srgbClr val="C00000"/>
                 </a:solidFill>
@@ -3373,7 +3756,7 @@
               <a:t>sa.best.run</a:t>
             </a:r>
             <a:r>
-              <a:rPr lang="en-US" sz="1200" dirty="0" smtClean="0">
+              <a:rPr lang="en-US" sz="1200" dirty="0">
                 <a:solidFill>
                   <a:srgbClr val="C00000"/>
                 </a:solidFill>
@@ -3391,7 +3774,7 @@
               <a:t> </a:t>
             </a:r>
             <a:r>
-              <a:rPr lang="en-US" sz="1200" dirty="0" smtClean="0">
+              <a:rPr lang="en-US" sz="1200" dirty="0">
                 <a:solidFill>
                   <a:srgbClr val="C00000"/>
                 </a:solidFill>
@@ -3399,7 +3782,7 @@
               <a:t>   </a:t>
             </a:r>
             <a:r>
-              <a:rPr lang="en-US" sz="1200" dirty="0" err="1" smtClean="0">
+              <a:rPr lang="en-US" sz="1200" dirty="0" err="1">
                 <a:solidFill>
                   <a:srgbClr val="C00000"/>
                 </a:solidFill>
@@ -3407,7 +3790,7 @@
               <a:t>sa.summary</a:t>
             </a:r>
             <a:r>
-              <a:rPr lang="en-US" sz="1200" dirty="0" smtClean="0">
+              <a:rPr lang="en-US" sz="1200" dirty="0">
                 <a:solidFill>
                   <a:srgbClr val="C00000"/>
                 </a:solidFill>
@@ -3417,7 +3800,7 @@
           </a:p>
           <a:p>
             <a:r>
-              <a:rPr lang="en-US" sz="1200" dirty="0" smtClean="0">
+              <a:rPr lang="en-US" sz="1200" dirty="0">
                 <a:solidFill>
                   <a:srgbClr val="C00000"/>
                 </a:solidFill>
@@ -3425,7 +3808,7 @@
               <a:t>    </a:t>
             </a:r>
             <a:r>
-              <a:rPr lang="en-US" sz="1200" dirty="0" err="1" smtClean="0">
+              <a:rPr lang="en-US" sz="1200" dirty="0" err="1">
                 <a:solidFill>
                   <a:srgbClr val="C00000"/>
                 </a:solidFill>
@@ -3433,7 +3816,7 @@
               <a:t>sa.run.1</a:t>
             </a:r>
             <a:r>
-              <a:rPr lang="en-US" sz="1200" dirty="0" smtClean="0">
+              <a:rPr lang="en-US" sz="1200" dirty="0">
                 <a:solidFill>
                   <a:srgbClr val="C00000"/>
                 </a:solidFill>
@@ -3443,7 +3826,7 @@
           </a:p>
           <a:p>
             <a:r>
-              <a:rPr lang="en-US" sz="1200" dirty="0" smtClean="0">
+              <a:rPr lang="en-US" sz="1200" dirty="0">
                 <a:solidFill>
                   <a:srgbClr val="C00000"/>
                 </a:solidFill>
@@ -3451,7 +3834,7 @@
               <a:t>    </a:t>
             </a:r>
             <a:r>
-              <a:rPr lang="en-US" sz="1200" dirty="0" err="1" smtClean="0">
+              <a:rPr lang="en-US" sz="1200" dirty="0" err="1">
                 <a:solidFill>
                   <a:srgbClr val="C00000"/>
                 </a:solidFill>
@@ -3459,7 +3842,7 @@
               <a:t>sa.run.2</a:t>
             </a:r>
             <a:r>
-              <a:rPr lang="en-US" sz="1200" dirty="0" smtClean="0">
+              <a:rPr lang="en-US" sz="1200" dirty="0">
                 <a:solidFill>
                   <a:srgbClr val="C00000"/>
                 </a:solidFill>
@@ -3484,7 +3867,7 @@
               <a:t>s</a:t>
             </a:r>
             <a:r>
-              <a:rPr lang="en-US" sz="1200" dirty="0" err="1" smtClean="0">
+              <a:rPr lang="en-US" sz="1200" dirty="0" err="1">
                 <a:solidFill>
                   <a:srgbClr val="C00000"/>
                 </a:solidFill>
@@ -3492,7 +3875,7 @@
               <a:t>p.results</a:t>
             </a:r>
             <a:r>
-              <a:rPr lang="en-US" sz="1200" dirty="0" smtClean="0">
+              <a:rPr lang="en-US" sz="1200" dirty="0">
                 <a:solidFill>
                   <a:srgbClr val="C00000"/>
                 </a:solidFill>
@@ -3510,229 +3893,7 @@
               <a:t> </a:t>
             </a:r>
             <a:r>
-              <a:rPr lang="en-US" sz="1200" dirty="0" smtClean="0">
-                <a:solidFill>
-                  <a:srgbClr val="C00000"/>
-                </a:solidFill>
-              </a:rPr>
-              <a:t>   ….</a:t>
-            </a:r>
-          </a:p>
-        </p:txBody>
-      </p:sp>
-      <p:sp>
-        <p:nvSpPr>
-          <p:cNvPr id="14" name="TextBox 13"/>
-          <p:cNvSpPr txBox="1"/>
-          <p:nvPr/>
-        </p:nvSpPr>
-        <p:spPr>
-          <a:xfrm>
-            <a:off x="3174916" y="1231573"/>
-            <a:ext cx="1142429" cy="1754326"/>
-          </a:xfrm>
-          <a:prstGeom prst="rect">
-            <a:avLst/>
-          </a:prstGeom>
-          <a:noFill/>
-        </p:spPr>
-        <p:txBody>
-          <a:bodyPr wrap="none" rtlCol="0">
-            <a:spAutoFit/>
-          </a:bodyPr>
-          <a:lstStyle/>
-          <a:p>
-            <a:r>
-              <a:rPr lang="en-US" sz="1200" dirty="0" smtClean="0">
-                <a:solidFill>
-                  <a:srgbClr val="0070C0"/>
-                </a:solidFill>
-              </a:rPr>
-              <a:t>syn.data.csv</a:t>
-            </a:r>
-          </a:p>
-          <a:p>
-            <a:r>
-              <a:rPr lang="en-US" sz="1200" dirty="0" err="1">
-                <a:solidFill>
-                  <a:srgbClr val="C00000"/>
-                </a:solidFill>
-              </a:rPr>
-              <a:t>s</a:t>
-            </a:r>
-            <a:r>
-              <a:rPr lang="en-US" sz="1200" dirty="0" err="1" smtClean="0">
-                <a:solidFill>
-                  <a:srgbClr val="C00000"/>
-                </a:solidFill>
-              </a:rPr>
-              <a:t>a.results</a:t>
-            </a:r>
-            <a:r>
-              <a:rPr lang="en-US" sz="1200" dirty="0" smtClean="0">
-                <a:solidFill>
-                  <a:srgbClr val="C00000"/>
-                </a:solidFill>
-              </a:rPr>
-              <a:t>/</a:t>
-            </a:r>
-          </a:p>
-          <a:p>
-            <a:r>
-              <a:rPr lang="en-US" sz="1200" dirty="0" smtClean="0">
-                <a:solidFill>
-                  <a:srgbClr val="C00000"/>
-                </a:solidFill>
-              </a:rPr>
-              <a:t>    </a:t>
-            </a:r>
-            <a:r>
-              <a:rPr lang="en-US" sz="1200" dirty="0" err="1" smtClean="0">
-                <a:solidFill>
-                  <a:srgbClr val="C00000"/>
-                </a:solidFill>
-              </a:rPr>
-              <a:t>sa.best.run</a:t>
-            </a:r>
-            <a:r>
-              <a:rPr lang="en-US" sz="1200" dirty="0" smtClean="0">
-                <a:solidFill>
-                  <a:srgbClr val="C00000"/>
-                </a:solidFill>
-              </a:rPr>
-              <a:t>/</a:t>
-            </a:r>
-          </a:p>
-          <a:p>
-            <a:r>
-              <a:rPr lang="en-US" sz="1200" dirty="0">
-                <a:solidFill>
-                  <a:srgbClr val="C00000"/>
-                </a:solidFill>
-              </a:rPr>
-              <a:t> </a:t>
-            </a:r>
-            <a:r>
-              <a:rPr lang="en-US" sz="1200" dirty="0" smtClean="0">
-                <a:solidFill>
-                  <a:srgbClr val="C00000"/>
-                </a:solidFill>
-              </a:rPr>
-              <a:t>   </a:t>
-            </a:r>
-            <a:r>
-              <a:rPr lang="en-US" sz="1200" dirty="0" err="1" smtClean="0">
-                <a:solidFill>
-                  <a:srgbClr val="C00000"/>
-                </a:solidFill>
-              </a:rPr>
-              <a:t>sa.summary</a:t>
-            </a:r>
-            <a:r>
-              <a:rPr lang="en-US" sz="1200" dirty="0" smtClean="0">
-                <a:solidFill>
-                  <a:srgbClr val="C00000"/>
-                </a:solidFill>
-              </a:rPr>
-              <a:t>/</a:t>
-            </a:r>
-          </a:p>
-          <a:p>
-            <a:r>
-              <a:rPr lang="en-US" sz="1200" dirty="0" smtClean="0">
-                <a:solidFill>
-                  <a:srgbClr val="C00000"/>
-                </a:solidFill>
-              </a:rPr>
-              <a:t>    </a:t>
-            </a:r>
-            <a:r>
-              <a:rPr lang="en-US" sz="1200" dirty="0" err="1" smtClean="0">
-                <a:solidFill>
-                  <a:srgbClr val="C00000"/>
-                </a:solidFill>
-              </a:rPr>
-              <a:t>sa.run.1</a:t>
-            </a:r>
-            <a:r>
-              <a:rPr lang="en-US" sz="1200" dirty="0" smtClean="0">
-                <a:solidFill>
-                  <a:srgbClr val="C00000"/>
-                </a:solidFill>
-              </a:rPr>
-              <a:t>/</a:t>
-            </a:r>
-          </a:p>
-          <a:p>
-            <a:r>
-              <a:rPr lang="en-US" sz="1200" dirty="0" smtClean="0">
-                <a:solidFill>
-                  <a:srgbClr val="C00000"/>
-                </a:solidFill>
-              </a:rPr>
-              <a:t>    </a:t>
-            </a:r>
-            <a:r>
-              <a:rPr lang="en-US" sz="1200" dirty="0" err="1" smtClean="0">
-                <a:solidFill>
-                  <a:srgbClr val="C00000"/>
-                </a:solidFill>
-              </a:rPr>
-              <a:t>sa.run.2</a:t>
-            </a:r>
-            <a:r>
-              <a:rPr lang="en-US" sz="1200" dirty="0" smtClean="0">
-                <a:solidFill>
-                  <a:srgbClr val="C00000"/>
-                </a:solidFill>
-              </a:rPr>
-              <a:t>/</a:t>
-            </a:r>
-          </a:p>
-          <a:p>
-            <a:endParaRPr lang="en-US" sz="1200" dirty="0">
-              <a:solidFill>
-                <a:srgbClr val="C00000"/>
-              </a:solidFill>
-            </a:endParaRPr>
-          </a:p>
-          <a:p>
-            <a:r>
-              <a:rPr lang="en-US" sz="1200" dirty="0" err="1">
-                <a:solidFill>
-                  <a:srgbClr val="C00000"/>
-                </a:solidFill>
-              </a:rPr>
-              <a:t>s</a:t>
-            </a:r>
-            <a:r>
-              <a:rPr lang="en-US" sz="1200" dirty="0" err="1" smtClean="0">
-                <a:solidFill>
-                  <a:srgbClr val="C00000"/>
-                </a:solidFill>
-              </a:rPr>
-              <a:t>p.results</a:t>
-            </a:r>
-            <a:r>
-              <a:rPr lang="en-US" sz="1200" dirty="0" smtClean="0">
-                <a:solidFill>
-                  <a:srgbClr val="C00000"/>
-                </a:solidFill>
-              </a:rPr>
-              <a:t>/</a:t>
-            </a:r>
-          </a:p>
-          <a:p>
-            <a:r>
-              <a:rPr lang="en-US" sz="1200" dirty="0">
-                <a:solidFill>
-                  <a:srgbClr val="C00000"/>
-                </a:solidFill>
-              </a:rPr>
-              <a:t> </a:t>
-            </a:r>
-            <a:r>
-              <a:rPr lang="en-US" sz="1200" dirty="0" smtClean="0">
+              <a:rPr lang="en-US" sz="1200" dirty="0">
                 <a:solidFill>
                   <a:srgbClr val="C00000"/>
                 </a:solidFill>
@@ -3752,8 +3913,8 @@
         </p:nvCxnSpPr>
         <p:spPr>
           <a:xfrm flipH="1">
-            <a:off x="1106101" y="774213"/>
-            <a:ext cx="866072" cy="203536"/>
+            <a:off x="914257" y="763571"/>
+            <a:ext cx="1065376" cy="234606"/>
           </a:xfrm>
           <a:prstGeom prst="line">
             <a:avLst/>
@@ -3784,8 +3945,8 @@
         </p:nvCxnSpPr>
         <p:spPr>
           <a:xfrm>
-            <a:off x="2571153" y="761469"/>
-            <a:ext cx="18074" cy="216280"/>
+            <a:off x="2354342" y="761469"/>
+            <a:ext cx="18073" cy="213143"/>
           </a:xfrm>
           <a:prstGeom prst="line">
             <a:avLst/>
@@ -3816,8 +3977,8 @@
         </p:nvCxnSpPr>
         <p:spPr>
           <a:xfrm>
-            <a:off x="3663972" y="767841"/>
-            <a:ext cx="43031" cy="209908"/>
+            <a:off x="3433022" y="767842"/>
+            <a:ext cx="43031" cy="206771"/>
           </a:xfrm>
           <a:prstGeom prst="line">
             <a:avLst/>
@@ -3848,8 +4009,8 @@
         </p:nvCxnSpPr>
         <p:spPr>
           <a:xfrm>
-            <a:off x="4023997" y="751911"/>
-            <a:ext cx="759895" cy="225838"/>
+            <a:off x="3793046" y="751912"/>
+            <a:ext cx="759897" cy="222701"/>
           </a:xfrm>
           <a:prstGeom prst="line">
             <a:avLst/>
@@ -3874,14 +4035,14 @@
         <p:nvCxnSpPr>
           <p:cNvPr id="26" name="Straight Connector 25"/>
           <p:cNvCxnSpPr>
-            <a:endCxn id="12" idx="0"/>
+            <a:endCxn id="15" idx="0"/>
           </p:cNvCxnSpPr>
           <p:nvPr/>
         </p:nvCxnSpPr>
         <p:spPr>
           <a:xfrm>
-            <a:off x="4817327" y="758283"/>
-            <a:ext cx="1023806" cy="219466"/>
+            <a:off x="4595571" y="772998"/>
+            <a:ext cx="913529" cy="201614"/>
           </a:xfrm>
           <a:prstGeom prst="line">
             <a:avLst/>
@@ -3902,6 +4063,169 @@
           </a:fontRef>
         </p:style>
       </p:cxnSp>
+      <p:sp>
+        <p:nvSpPr>
+          <p:cNvPr id="15" name="TextBox 14"/>
+          <p:cNvSpPr txBox="1"/>
+          <p:nvPr/>
+        </p:nvSpPr>
+        <p:spPr>
+          <a:xfrm>
+            <a:off x="5226811" y="974612"/>
+            <a:ext cx="564578" cy="276999"/>
+          </a:xfrm>
+          <a:prstGeom prst="rect">
+            <a:avLst/>
+          </a:prstGeom>
+          <a:solidFill>
+            <a:schemeClr val="accent6">
+              <a:lumMod val="20000"/>
+              <a:lumOff val="80000"/>
+            </a:schemeClr>
+          </a:solidFill>
+        </p:spPr>
+        <p:txBody>
+          <a:bodyPr wrap="none" rtlCol="0">
+            <a:spAutoFit/>
+          </a:bodyPr>
+          <a:lstStyle/>
+          <a:p>
+            <a:pPr algn="ctr"/>
+            <a:r>
+              <a:rPr lang="en-US" sz="1200" dirty="0">
+                <a:solidFill>
+                  <a:srgbClr val="0070C0"/>
+                </a:solidFill>
+              </a:rPr>
+              <a:t>sp.sp/</a:t>
+            </a:r>
+            <a:endParaRPr lang="en-US" sz="1200" dirty="0">
+              <a:solidFill>
+                <a:srgbClr val="0070C0"/>
+              </a:solidFill>
+            </a:endParaRPr>
+          </a:p>
+        </p:txBody>
+      </p:sp>
+      <p:sp>
+        <p:nvSpPr>
+          <p:cNvPr id="19" name="TextBox 18"/>
+          <p:cNvSpPr txBox="1"/>
+          <p:nvPr/>
+        </p:nvSpPr>
+        <p:spPr>
+          <a:xfrm>
+            <a:off x="433633" y="3285241"/>
+            <a:ext cx="4334841" cy="1209498"/>
+          </a:xfrm>
+          <a:prstGeom prst="rect">
+            <a:avLst/>
+          </a:prstGeom>
+          <a:solidFill>
+            <a:schemeClr val="accent6">
+              <a:lumMod val="20000"/>
+              <a:lumOff val="80000"/>
+            </a:schemeClr>
+          </a:solidFill>
+        </p:spPr>
+        <p:txBody>
+          <a:bodyPr wrap="none" rtlCol="0">
+            <a:spAutoFit/>
+          </a:bodyPr>
+          <a:lstStyle/>
+          <a:p>
+            <a:r>
+              <a:rPr lang="en-US" dirty="0" smtClean="0"/>
+              <a:t>For the SBS1/SBS5 test we just need the green highlighted portions, and run </a:t>
+            </a:r>
+          </a:p>
+          <a:p>
+            <a:endParaRPr lang="en-US" dirty="0"/>
+          </a:p>
+          <a:p>
+            <a:r>
+              <a:rPr lang="en-US" dirty="0" err="1" smtClean="0"/>
+              <a:t>SignatureAnalyzer4MatchedCatalogs</a:t>
+            </a:r>
+            <a:r>
+              <a:rPr lang="en-US" dirty="0"/>
+              <a:t>(</a:t>
+            </a:r>
+          </a:p>
+          <a:p>
+            <a:r>
+              <a:rPr lang="en-US" dirty="0"/>
+              <a:t>  </a:t>
+            </a:r>
+            <a:r>
+              <a:rPr lang="en-US" dirty="0" err="1"/>
+              <a:t>num.runs</a:t>
+            </a:r>
+            <a:r>
+              <a:rPr lang="en-US" dirty="0"/>
+              <a:t> = 20,</a:t>
+            </a:r>
+          </a:p>
+          <a:p>
+            <a:r>
+              <a:rPr lang="en-US" dirty="0"/>
+              <a:t>  </a:t>
+            </a:r>
+            <a:r>
+              <a:rPr lang="en-US" dirty="0" err="1"/>
+              <a:t>signatureanalyzer.code.dir</a:t>
+            </a:r>
+            <a:r>
+              <a:rPr lang="en-US" dirty="0"/>
+              <a:t> = "</a:t>
+            </a:r>
+            <a:r>
+              <a:rPr lang="en-US" dirty="0" err="1"/>
+              <a:t>SignatureAnalzyer.052418</a:t>
+            </a:r>
+            <a:r>
+              <a:rPr lang="en-US" dirty="0"/>
+              <a:t>/",</a:t>
+            </a:r>
+          </a:p>
+          <a:p>
+            <a:r>
+              <a:rPr lang="en-US" dirty="0"/>
+              <a:t>  </a:t>
+            </a:r>
+            <a:r>
+              <a:rPr lang="en-US" dirty="0" err="1"/>
+              <a:t>dir.root</a:t>
+            </a:r>
+            <a:r>
+              <a:rPr lang="en-US" dirty="0"/>
+              <a:t> = </a:t>
+            </a:r>
+            <a:r>
+              <a:rPr lang="en-US" dirty="0" smtClean="0"/>
+              <a:t>“</a:t>
+            </a:r>
+            <a:r>
+              <a:rPr lang="en-US" dirty="0" err="1" smtClean="0"/>
+              <a:t>ATopLevelDir</a:t>
+            </a:r>
+            <a:r>
+              <a:rPr lang="en-US" dirty="0" smtClean="0"/>
+              <a:t>/", </a:t>
+            </a:r>
+            <a:r>
+              <a:rPr lang="en-US" dirty="0"/>
+              <a:t># top level of data / results tree</a:t>
+            </a:r>
+          </a:p>
+          <a:p>
+            <a:r>
+              <a:rPr lang="en-US" dirty="0"/>
+              <a:t>  slice = 2) # slice 2 is sp.sp</a:t>
+            </a:r>
+          </a:p>
+        </p:txBody>
+      </p:sp>
     </p:spTree>
     <p:extLst>
       <p:ext uri="{BB962C8B-B14F-4D97-AF65-F5344CB8AC3E}">

--- a/data-raw/DirectoryStructureCoordinateTestCatalogs.pptx
+++ b/data-raw/DirectoryStructureCoordinateTestCatalogs.pptx
@@ -243,7 +243,7 @@
           <a:p>
             <a:fld id="{56F6A349-4F42-4F7C-857D-6BFF6B6F337C}" type="datetimeFigureOut">
               <a:rPr lang="en-US" smtClean="0"/>
-              <a:t>2/16/2019</a:t>
+              <a:t>2/20/2019</a:t>
             </a:fld>
             <a:endParaRPr lang="en-US"/>
           </a:p>
@@ -413,7 +413,7 @@
           <a:p>
             <a:fld id="{56F6A349-4F42-4F7C-857D-6BFF6B6F337C}" type="datetimeFigureOut">
               <a:rPr lang="en-US" smtClean="0"/>
-              <a:t>2/16/2019</a:t>
+              <a:t>2/20/2019</a:t>
             </a:fld>
             <a:endParaRPr lang="en-US"/>
           </a:p>
@@ -593,7 +593,7 @@
           <a:p>
             <a:fld id="{56F6A349-4F42-4F7C-857D-6BFF6B6F337C}" type="datetimeFigureOut">
               <a:rPr lang="en-US" smtClean="0"/>
-              <a:t>2/16/2019</a:t>
+              <a:t>2/20/2019</a:t>
             </a:fld>
             <a:endParaRPr lang="en-US"/>
           </a:p>
@@ -763,7 +763,7 @@
           <a:p>
             <a:fld id="{56F6A349-4F42-4F7C-857D-6BFF6B6F337C}" type="datetimeFigureOut">
               <a:rPr lang="en-US" smtClean="0"/>
-              <a:t>2/16/2019</a:t>
+              <a:t>2/20/2019</a:t>
             </a:fld>
             <a:endParaRPr lang="en-US"/>
           </a:p>
@@ -1007,7 +1007,7 @@
           <a:p>
             <a:fld id="{56F6A349-4F42-4F7C-857D-6BFF6B6F337C}" type="datetimeFigureOut">
               <a:rPr lang="en-US" smtClean="0"/>
-              <a:t>2/16/2019</a:t>
+              <a:t>2/20/2019</a:t>
             </a:fld>
             <a:endParaRPr lang="en-US"/>
           </a:p>
@@ -1239,7 +1239,7 @@
           <a:p>
             <a:fld id="{56F6A349-4F42-4F7C-857D-6BFF6B6F337C}" type="datetimeFigureOut">
               <a:rPr lang="en-US" smtClean="0"/>
-              <a:t>2/16/2019</a:t>
+              <a:t>2/20/2019</a:t>
             </a:fld>
             <a:endParaRPr lang="en-US"/>
           </a:p>
@@ -1606,7 +1606,7 @@
           <a:p>
             <a:fld id="{56F6A349-4F42-4F7C-857D-6BFF6B6F337C}" type="datetimeFigureOut">
               <a:rPr lang="en-US" smtClean="0"/>
-              <a:t>2/16/2019</a:t>
+              <a:t>2/20/2019</a:t>
             </a:fld>
             <a:endParaRPr lang="en-US"/>
           </a:p>
@@ -1724,7 +1724,7 @@
           <a:p>
             <a:fld id="{56F6A349-4F42-4F7C-857D-6BFF6B6F337C}" type="datetimeFigureOut">
               <a:rPr lang="en-US" smtClean="0"/>
-              <a:t>2/16/2019</a:t>
+              <a:t>2/20/2019</a:t>
             </a:fld>
             <a:endParaRPr lang="en-US"/>
           </a:p>
@@ -1819,7 +1819,7 @@
           <a:p>
             <a:fld id="{56F6A349-4F42-4F7C-857D-6BFF6B6F337C}" type="datetimeFigureOut">
               <a:rPr lang="en-US" smtClean="0"/>
-              <a:t>2/16/2019</a:t>
+              <a:t>2/20/2019</a:t>
             </a:fld>
             <a:endParaRPr lang="en-US"/>
           </a:p>
@@ -2096,7 +2096,7 @@
           <a:p>
             <a:fld id="{56F6A349-4F42-4F7C-857D-6BFF6B6F337C}" type="datetimeFigureOut">
               <a:rPr lang="en-US" smtClean="0"/>
-              <a:t>2/16/2019</a:t>
+              <a:t>2/20/2019</a:t>
             </a:fld>
             <a:endParaRPr lang="en-US"/>
           </a:p>
@@ -2353,7 +2353,7 @@
           <a:p>
             <a:fld id="{56F6A349-4F42-4F7C-857D-6BFF6B6F337C}" type="datetimeFigureOut">
               <a:rPr lang="en-US" smtClean="0"/>
-              <a:t>2/16/2019</a:t>
+              <a:t>2/20/2019</a:t>
             </a:fld>
             <a:endParaRPr lang="en-US"/>
           </a:p>
@@ -2566,7 +2566,7 @@
           <a:p>
             <a:fld id="{56F6A349-4F42-4F7C-857D-6BFF6B6F337C}" type="datetimeFigureOut">
               <a:rPr lang="en-US" smtClean="0"/>
-              <a:t>2/16/2019</a:t>
+              <a:t>2/20/2019</a:t>
             </a:fld>
             <a:endParaRPr lang="en-US"/>
           </a:p>
@@ -3031,7 +3031,6 @@
               <a:rPr lang="en-US" sz="1200" dirty="0"/>
               <a:t>(named to provide info on the purpose of the test)</a:t>
             </a:r>
-            <a:endParaRPr lang="en-US" sz="1200" dirty="0"/>
           </a:p>
         </p:txBody>
       </p:sp>
@@ -3116,7 +3115,6 @@
               <a:rPr lang="en-US" sz="1200" dirty="0"/>
               <a:t>(possibly other files for documentation)</a:t>
             </a:r>
-            <a:endParaRPr lang="en-US" sz="1200" dirty="0"/>
           </a:p>
         </p:txBody>
       </p:sp>
@@ -3151,11 +3149,6 @@
               </a:rPr>
               <a:t>sa.sa.COMPOSITE/</a:t>
             </a:r>
-            <a:endParaRPr lang="en-US" sz="1200" dirty="0">
-              <a:solidFill>
-                <a:srgbClr val="0070C0"/>
-              </a:solidFill>
-            </a:endParaRPr>
           </a:p>
         </p:txBody>
       </p:sp>
@@ -3190,11 +3183,6 @@
               </a:rPr>
               <a:t>sa.sa.96 /</a:t>
             </a:r>
-            <a:endParaRPr lang="en-US" sz="1200" dirty="0">
-              <a:solidFill>
-                <a:srgbClr val="0070C0"/>
-              </a:solidFill>
-            </a:endParaRPr>
           </a:p>
         </p:txBody>
       </p:sp>
@@ -3240,7 +3228,6 @@
               <a:rPr lang="en-US" sz="1200" dirty="0"/>
               <a:t>(same)</a:t>
             </a:r>
-            <a:endParaRPr lang="en-US" sz="1200" dirty="0"/>
           </a:p>
         </p:txBody>
       </p:sp>
@@ -3487,7 +3474,25 @@
                   <a:srgbClr val="C00000"/>
                 </a:solidFill>
               </a:rPr>
-              <a:t>s</a:t>
+              <a:t>sa.results</a:t>
+            </a:r>
+            <a:r>
+              <a:rPr lang="en-US" sz="1200" dirty="0">
+                <a:solidFill>
+                  <a:srgbClr val="C00000"/>
+                </a:solidFill>
+              </a:rPr>
+              <a:t>/</a:t>
+            </a:r>
+          </a:p>
+          <a:p>
+            <a:r>
+              <a:rPr lang="en-US" sz="1200" dirty="0">
+                <a:solidFill>
+                  <a:srgbClr val="C00000"/>
+                </a:solidFill>
+              </a:rPr>
+              <a:t>    </a:t>
             </a:r>
             <a:r>
               <a:rPr lang="en-US" sz="1200" dirty="0" err="1">
@@ -3495,7 +3500,7 @@
                   <a:srgbClr val="C00000"/>
                 </a:solidFill>
               </a:rPr>
-              <a:t>a.results</a:t>
+              <a:t>sa.best.run</a:t>
             </a:r>
             <a:r>
               <a:rPr lang="en-US" sz="1200" dirty="0">
@@ -3514,40 +3519,6 @@
                 </a:solidFill>
               </a:rPr>
               <a:t>    </a:t>
-            </a:r>
-            <a:r>
-              <a:rPr lang="en-US" sz="1200" dirty="0" err="1">
-                <a:solidFill>
-                  <a:srgbClr val="C00000"/>
-                </a:solidFill>
-              </a:rPr>
-              <a:t>sa.best.run</a:t>
-            </a:r>
-            <a:r>
-              <a:rPr lang="en-US" sz="1200" dirty="0">
-                <a:solidFill>
-                  <a:srgbClr val="C00000"/>
-                </a:solidFill>
-              </a:rPr>
-              <a:t>/</a:t>
-            </a:r>
-          </a:p>
-          <a:p>
-            <a:r>
-              <a:rPr lang="en-US" sz="1200" dirty="0">
-                <a:solidFill>
-                  <a:srgbClr val="C00000"/>
-                </a:solidFill>
-              </a:rPr>
-              <a:t> </a:t>
-            </a:r>
-            <a:r>
-              <a:rPr lang="en-US" sz="1200" dirty="0">
-                <a:solidFill>
-                  <a:srgbClr val="C00000"/>
-                </a:solidFill>
-              </a:rPr>
-              <a:t>   </a:t>
             </a:r>
             <a:r>
               <a:rPr lang="en-US" sz="1200" dirty="0" err="1">
@@ -3632,15 +3603,7 @@
                   <a:srgbClr val="C00000"/>
                 </a:solidFill>
               </a:rPr>
-              <a:t>s</a:t>
-            </a:r>
-            <a:r>
-              <a:rPr lang="en-US" sz="1200" dirty="0" err="1">
-                <a:solidFill>
-                  <a:srgbClr val="C00000"/>
-                </a:solidFill>
-              </a:rPr>
-              <a:t>p.results</a:t>
+              <a:t>sp.results</a:t>
             </a:r>
             <a:r>
               <a:rPr lang="en-US" sz="1200" dirty="0">
@@ -3658,15 +3621,7 @@
                   <a:srgbClr val="C00000"/>
                 </a:solidFill>
               </a:rPr>
-              <a:t> </a:t>
-            </a:r>
-            <a:r>
-              <a:rPr lang="en-US" sz="1200" dirty="0">
-                <a:solidFill>
-                  <a:srgbClr val="C00000"/>
-                </a:solidFill>
-              </a:rPr>
-              <a:t>   ….</a:t>
+              <a:t>    ….</a:t>
             </a:r>
           </a:p>
         </p:txBody>
@@ -3696,38 +3651,56 @@
             <a:r>
               <a:rPr lang="en-US" sz="1200" dirty="0">
                 <a:solidFill>
+                  <a:srgbClr val="FF0000"/>
+                </a:solidFill>
+              </a:rPr>
+              <a:t>input.sigs.csv</a:t>
+            </a:r>
+          </a:p>
+          <a:p>
+            <a:r>
+              <a:rPr lang="en-US" sz="1200" dirty="0">
+                <a:solidFill>
                   <a:srgbClr val="0070C0"/>
                 </a:solidFill>
               </a:rPr>
-              <a:t>input.sigs.csv</a:t>
-            </a:r>
-          </a:p>
-          <a:p>
+              <a:t>syn.data.csv</a:t>
+            </a:r>
+          </a:p>
+          <a:p>
+            <a:r>
+              <a:rPr lang="en-US" sz="1200" dirty="0" err="1">
+                <a:solidFill>
+                  <a:srgbClr val="C00000"/>
+                </a:solidFill>
+              </a:rPr>
+              <a:t>sa.results</a:t>
+            </a:r>
             <a:r>
               <a:rPr lang="en-US" sz="1200" dirty="0">
                 <a:solidFill>
-                  <a:srgbClr val="0070C0"/>
-                </a:solidFill>
-              </a:rPr>
-              <a:t>syn.data.csv</a:t>
-            </a:r>
-          </a:p>
-          <a:p>
+                  <a:srgbClr val="C00000"/>
+                </a:solidFill>
+              </a:rPr>
+              <a:t>/</a:t>
+            </a:r>
+          </a:p>
+          <a:p>
+            <a:r>
+              <a:rPr lang="en-US" sz="1200" dirty="0">
+                <a:solidFill>
+                  <a:srgbClr val="C00000"/>
+                </a:solidFill>
+              </a:rPr>
+              <a:t>    </a:t>
+            </a:r>
             <a:r>
               <a:rPr lang="en-US" sz="1200" dirty="0" err="1">
                 <a:solidFill>
                   <a:srgbClr val="C00000"/>
                 </a:solidFill>
               </a:rPr>
-              <a:t>s</a:t>
-            </a:r>
-            <a:r>
-              <a:rPr lang="en-US" sz="1200" dirty="0" err="1">
-                <a:solidFill>
-                  <a:srgbClr val="C00000"/>
-                </a:solidFill>
-              </a:rPr>
-              <a:t>a.results</a:t>
+              <a:t>sa.best.run</a:t>
             </a:r>
             <a:r>
               <a:rPr lang="en-US" sz="1200" dirty="0">
@@ -3746,40 +3719,6 @@
                 </a:solidFill>
               </a:rPr>
               <a:t>    </a:t>
-            </a:r>
-            <a:r>
-              <a:rPr lang="en-US" sz="1200" dirty="0" err="1">
-                <a:solidFill>
-                  <a:srgbClr val="C00000"/>
-                </a:solidFill>
-              </a:rPr>
-              <a:t>sa.best.run</a:t>
-            </a:r>
-            <a:r>
-              <a:rPr lang="en-US" sz="1200" dirty="0">
-                <a:solidFill>
-                  <a:srgbClr val="C00000"/>
-                </a:solidFill>
-              </a:rPr>
-              <a:t>/</a:t>
-            </a:r>
-          </a:p>
-          <a:p>
-            <a:r>
-              <a:rPr lang="en-US" sz="1200" dirty="0">
-                <a:solidFill>
-                  <a:srgbClr val="C00000"/>
-                </a:solidFill>
-              </a:rPr>
-              <a:t> </a:t>
-            </a:r>
-            <a:r>
-              <a:rPr lang="en-US" sz="1200" dirty="0">
-                <a:solidFill>
-                  <a:srgbClr val="C00000"/>
-                </a:solidFill>
-              </a:rPr>
-              <a:t>   </a:t>
             </a:r>
             <a:r>
               <a:rPr lang="en-US" sz="1200" dirty="0" err="1">
@@ -3864,15 +3803,7 @@
                   <a:srgbClr val="C00000"/>
                 </a:solidFill>
               </a:rPr>
-              <a:t>s</a:t>
-            </a:r>
-            <a:r>
-              <a:rPr lang="en-US" sz="1200" dirty="0" err="1">
-                <a:solidFill>
-                  <a:srgbClr val="C00000"/>
-                </a:solidFill>
-              </a:rPr>
-              <a:t>p.results</a:t>
+              <a:t>sp.results</a:t>
             </a:r>
             <a:r>
               <a:rPr lang="en-US" sz="1200" dirty="0">
@@ -3890,15 +3821,7 @@
                   <a:srgbClr val="C00000"/>
                 </a:solidFill>
               </a:rPr>
-              <a:t> </a:t>
-            </a:r>
-            <a:r>
-              <a:rPr lang="en-US" sz="1200" dirty="0">
-                <a:solidFill>
-                  <a:srgbClr val="C00000"/>
-                </a:solidFill>
-              </a:rPr>
-              <a:t>   ….</a:t>
+              <a:t>    ….</a:t>
             </a:r>
           </a:p>
         </p:txBody>
@@ -4099,11 +4022,6 @@
               </a:rPr>
               <a:t>sp.sp/</a:t>
             </a:r>
-            <a:endParaRPr lang="en-US" sz="1200" dirty="0">
-              <a:solidFill>
-                <a:srgbClr val="0070C0"/>
-              </a:solidFill>
-            </a:endParaRPr>
           </a:p>
         </p:txBody>
       </p:sp>
@@ -4223,6 +4141,80 @@
               <a:rPr lang="en-US" dirty="0"/>
               <a:t>  slice = 2) # slice 2 is sp.sp</a:t>
             </a:r>
+          </a:p>
+        </p:txBody>
+      </p:sp>
+      <p:cxnSp>
+        <p:nvCxnSpPr>
+          <p:cNvPr id="3" name="Curved Connector 2"/>
+          <p:cNvCxnSpPr/>
+          <p:nvPr/>
+        </p:nvCxnSpPr>
+        <p:spPr>
+          <a:xfrm rot="10800000" flipV="1">
+            <a:off x="3909302" y="672258"/>
+            <a:ext cx="1057770" cy="707307"/>
+          </a:xfrm>
+          <a:prstGeom prst="curvedConnector3">
+            <a:avLst/>
+          </a:prstGeom>
+          <a:ln>
+            <a:solidFill>
+              <a:srgbClr val="FF0000"/>
+            </a:solidFill>
+            <a:tailEnd type="triangle"/>
+          </a:ln>
+        </p:spPr>
+        <p:style>
+          <a:lnRef idx="1">
+            <a:schemeClr val="accent1"/>
+          </a:lnRef>
+          <a:fillRef idx="0">
+            <a:schemeClr val="accent1"/>
+          </a:fillRef>
+          <a:effectRef idx="0">
+            <a:schemeClr val="accent1"/>
+          </a:effectRef>
+          <a:fontRef idx="minor">
+            <a:schemeClr val="tx1"/>
+          </a:fontRef>
+        </p:style>
+      </p:cxnSp>
+      <p:sp>
+        <p:nvSpPr>
+          <p:cNvPr id="6" name="TextBox 5"/>
+          <p:cNvSpPr txBox="1"/>
+          <p:nvPr/>
+        </p:nvSpPr>
+        <p:spPr>
+          <a:xfrm>
+            <a:off x="4874676" y="455607"/>
+            <a:ext cx="1287170" cy="411523"/>
+          </a:xfrm>
+          <a:prstGeom prst="rect">
+            <a:avLst/>
+          </a:prstGeom>
+          <a:noFill/>
+        </p:spPr>
+        <p:txBody>
+          <a:bodyPr wrap="square" rtlCol="0">
+            <a:spAutoFit/>
+          </a:bodyPr>
+          <a:lstStyle/>
+          <a:p>
+            <a:r>
+              <a:rPr lang="en-US" dirty="0" smtClean="0">
+                <a:solidFill>
+                  <a:srgbClr val="FF0000"/>
+                </a:solidFill>
+              </a:rPr>
+              <a:t>Must contain only the signatures used!</a:t>
+            </a:r>
+            <a:endParaRPr lang="en-US" dirty="0">
+              <a:solidFill>
+                <a:srgbClr val="FF0000"/>
+              </a:solidFill>
+            </a:endParaRPr>
           </a:p>
         </p:txBody>
       </p:sp>

--- a/data-raw/DirectoryStructureCoordinateTestCatalogs.pptx
+++ b/data-raw/DirectoryStructureCoordinateTestCatalogs.pptx
@@ -243,7 +243,7 @@
           <a:p>
             <a:fld id="{56F6A349-4F42-4F7C-857D-6BFF6B6F337C}" type="datetimeFigureOut">
               <a:rPr lang="en-US" smtClean="0"/>
-              <a:t>2/20/2019</a:t>
+              <a:t>2/23/2019</a:t>
             </a:fld>
             <a:endParaRPr lang="en-US"/>
           </a:p>
@@ -413,7 +413,7 @@
           <a:p>
             <a:fld id="{56F6A349-4F42-4F7C-857D-6BFF6B6F337C}" type="datetimeFigureOut">
               <a:rPr lang="en-US" smtClean="0"/>
-              <a:t>2/20/2019</a:t>
+              <a:t>2/23/2019</a:t>
             </a:fld>
             <a:endParaRPr lang="en-US"/>
           </a:p>
@@ -593,7 +593,7 @@
           <a:p>
             <a:fld id="{56F6A349-4F42-4F7C-857D-6BFF6B6F337C}" type="datetimeFigureOut">
               <a:rPr lang="en-US" smtClean="0"/>
-              <a:t>2/20/2019</a:t>
+              <a:t>2/23/2019</a:t>
             </a:fld>
             <a:endParaRPr lang="en-US"/>
           </a:p>
@@ -763,7 +763,7 @@
           <a:p>
             <a:fld id="{56F6A349-4F42-4F7C-857D-6BFF6B6F337C}" type="datetimeFigureOut">
               <a:rPr lang="en-US" smtClean="0"/>
-              <a:t>2/20/2019</a:t>
+              <a:t>2/23/2019</a:t>
             </a:fld>
             <a:endParaRPr lang="en-US"/>
           </a:p>
@@ -1007,7 +1007,7 @@
           <a:p>
             <a:fld id="{56F6A349-4F42-4F7C-857D-6BFF6B6F337C}" type="datetimeFigureOut">
               <a:rPr lang="en-US" smtClean="0"/>
-              <a:t>2/20/2019</a:t>
+              <a:t>2/23/2019</a:t>
             </a:fld>
             <a:endParaRPr lang="en-US"/>
           </a:p>
@@ -1239,7 +1239,7 @@
           <a:p>
             <a:fld id="{56F6A349-4F42-4F7C-857D-6BFF6B6F337C}" type="datetimeFigureOut">
               <a:rPr lang="en-US" smtClean="0"/>
-              <a:t>2/20/2019</a:t>
+              <a:t>2/23/2019</a:t>
             </a:fld>
             <a:endParaRPr lang="en-US"/>
           </a:p>
@@ -1606,7 +1606,7 @@
           <a:p>
             <a:fld id="{56F6A349-4F42-4F7C-857D-6BFF6B6F337C}" type="datetimeFigureOut">
               <a:rPr lang="en-US" smtClean="0"/>
-              <a:t>2/20/2019</a:t>
+              <a:t>2/23/2019</a:t>
             </a:fld>
             <a:endParaRPr lang="en-US"/>
           </a:p>
@@ -1724,7 +1724,7 @@
           <a:p>
             <a:fld id="{56F6A349-4F42-4F7C-857D-6BFF6B6F337C}" type="datetimeFigureOut">
               <a:rPr lang="en-US" smtClean="0"/>
-              <a:t>2/20/2019</a:t>
+              <a:t>2/23/2019</a:t>
             </a:fld>
             <a:endParaRPr lang="en-US"/>
           </a:p>
@@ -1819,7 +1819,7 @@
           <a:p>
             <a:fld id="{56F6A349-4F42-4F7C-857D-6BFF6B6F337C}" type="datetimeFigureOut">
               <a:rPr lang="en-US" smtClean="0"/>
-              <a:t>2/20/2019</a:t>
+              <a:t>2/23/2019</a:t>
             </a:fld>
             <a:endParaRPr lang="en-US"/>
           </a:p>
@@ -2096,7 +2096,7 @@
           <a:p>
             <a:fld id="{56F6A349-4F42-4F7C-857D-6BFF6B6F337C}" type="datetimeFigureOut">
               <a:rPr lang="en-US" smtClean="0"/>
-              <a:t>2/20/2019</a:t>
+              <a:t>2/23/2019</a:t>
             </a:fld>
             <a:endParaRPr lang="en-US"/>
           </a:p>
@@ -2353,7 +2353,7 @@
           <a:p>
             <a:fld id="{56F6A349-4F42-4F7C-857D-6BFF6B6F337C}" type="datetimeFigureOut">
               <a:rPr lang="en-US" smtClean="0"/>
-              <a:t>2/20/2019</a:t>
+              <a:t>2/23/2019</a:t>
             </a:fld>
             <a:endParaRPr lang="en-US"/>
           </a:p>
@@ -2566,7 +2566,7 @@
           <a:p>
             <a:fld id="{56F6A349-4F42-4F7C-857D-6BFF6B6F337C}" type="datetimeFigureOut">
               <a:rPr lang="en-US" smtClean="0"/>
-              <a:t>2/20/2019</a:t>
+              <a:t>2/23/2019</a:t>
             </a:fld>
             <a:endParaRPr lang="en-US"/>
           </a:p>
@@ -3126,7 +3126,7 @@
         </p:nvSpPr>
         <p:spPr>
           <a:xfrm>
-            <a:off x="1700308" y="974612"/>
+            <a:off x="1423126" y="974612"/>
             <a:ext cx="1344214" cy="276999"/>
           </a:xfrm>
           <a:prstGeom prst="rect">
@@ -3160,8 +3160,8 @@
         </p:nvSpPr>
         <p:spPr>
           <a:xfrm>
-            <a:off x="3084759" y="974613"/>
-            <a:ext cx="782587" cy="276999"/>
+            <a:off x="3427372" y="1003288"/>
+            <a:ext cx="747320" cy="646331"/>
           </a:xfrm>
           <a:prstGeom prst="rect">
             <a:avLst/>
@@ -3176,13 +3176,29 @@
           <a:p>
             <a:pPr algn="ctr"/>
             <a:r>
-              <a:rPr lang="en-US" sz="1200" dirty="0">
+              <a:rPr lang="en-US" sz="1200" dirty="0" smtClean="0">
                 <a:solidFill>
                   <a:srgbClr val="0070C0"/>
                 </a:solidFill>
               </a:rPr>
-              <a:t>sa.sa.96 /</a:t>
-            </a:r>
+              <a:t>sa.sa.96/</a:t>
+            </a:r>
+          </a:p>
+          <a:p>
+            <a:pPr algn="ctr"/>
+            <a:endParaRPr lang="en-US" sz="1200" dirty="0">
+              <a:solidFill>
+                <a:srgbClr val="0070C0"/>
+              </a:solidFill>
+            </a:endParaRPr>
+          </a:p>
+          <a:p>
+            <a:pPr algn="ctr"/>
+            <a:r>
+              <a:rPr lang="en-US" sz="1050" dirty="0" smtClean="0"/>
+              <a:t>(same)</a:t>
+            </a:r>
+            <a:endParaRPr lang="en-US" sz="1050" dirty="0"/>
           </a:p>
         </p:txBody>
       </p:sp>
@@ -3194,7 +3210,7 @@
         </p:nvSpPr>
         <p:spPr>
           <a:xfrm>
-            <a:off x="3877630" y="974613"/>
+            <a:off x="4132515" y="987357"/>
             <a:ext cx="1350626" cy="646331"/>
           </a:xfrm>
           <a:prstGeom prst="rect">
@@ -3225,203 +3241,8 @@
           <a:p>
             <a:pPr algn="ctr"/>
             <a:r>
-              <a:rPr lang="en-US" sz="1200" dirty="0"/>
+              <a:rPr lang="en-US" sz="1050" dirty="0"/>
               <a:t>(same)</a:t>
-            </a:r>
-          </a:p>
-        </p:txBody>
-      </p:sp>
-      <p:sp>
-        <p:nvSpPr>
-          <p:cNvPr id="12" name="TextBox 11"/>
-          <p:cNvSpPr txBox="1"/>
-          <p:nvPr/>
-        </p:nvSpPr>
-        <p:spPr>
-          <a:xfrm>
-            <a:off x="5020114" y="1231573"/>
-            <a:ext cx="1142429" cy="1754326"/>
-          </a:xfrm>
-          <a:prstGeom prst="rect">
-            <a:avLst/>
-          </a:prstGeom>
-          <a:solidFill>
-            <a:schemeClr val="accent6">
-              <a:lumMod val="20000"/>
-              <a:lumOff val="80000"/>
-            </a:schemeClr>
-          </a:solidFill>
-        </p:spPr>
-        <p:txBody>
-          <a:bodyPr wrap="none" rtlCol="0">
-            <a:spAutoFit/>
-          </a:bodyPr>
-          <a:lstStyle/>
-          <a:p>
-            <a:r>
-              <a:rPr lang="en-US" sz="1200" dirty="0">
-                <a:solidFill>
-                  <a:srgbClr val="0070C0"/>
-                </a:solidFill>
-              </a:rPr>
-              <a:t>input.sigs.csv</a:t>
-            </a:r>
-          </a:p>
-          <a:p>
-            <a:r>
-              <a:rPr lang="en-US" sz="1200" dirty="0">
-                <a:solidFill>
-                  <a:srgbClr val="0070C0"/>
-                </a:solidFill>
-              </a:rPr>
-              <a:t>syn.data.csv</a:t>
-            </a:r>
-          </a:p>
-          <a:p>
-            <a:r>
-              <a:rPr lang="en-US" sz="1200" dirty="0" err="1">
-                <a:solidFill>
-                  <a:srgbClr val="C00000"/>
-                </a:solidFill>
-              </a:rPr>
-              <a:t>sa.results</a:t>
-            </a:r>
-            <a:r>
-              <a:rPr lang="en-US" sz="1200" dirty="0">
-                <a:solidFill>
-                  <a:srgbClr val="C00000"/>
-                </a:solidFill>
-              </a:rPr>
-              <a:t>/</a:t>
-            </a:r>
-          </a:p>
-          <a:p>
-            <a:r>
-              <a:rPr lang="en-US" sz="1200" dirty="0">
-                <a:solidFill>
-                  <a:srgbClr val="C00000"/>
-                </a:solidFill>
-              </a:rPr>
-              <a:t>    </a:t>
-            </a:r>
-            <a:r>
-              <a:rPr lang="en-US" sz="1200" dirty="0" err="1">
-                <a:solidFill>
-                  <a:srgbClr val="C00000"/>
-                </a:solidFill>
-              </a:rPr>
-              <a:t>sa.best.run</a:t>
-            </a:r>
-            <a:r>
-              <a:rPr lang="en-US" sz="1200" dirty="0">
-                <a:solidFill>
-                  <a:srgbClr val="C00000"/>
-                </a:solidFill>
-              </a:rPr>
-              <a:t>/</a:t>
-            </a:r>
-          </a:p>
-          <a:p>
-            <a:r>
-              <a:rPr lang="en-US" sz="1200" dirty="0">
-                <a:solidFill>
-                  <a:srgbClr val="C00000"/>
-                </a:solidFill>
-              </a:rPr>
-              <a:t>    </a:t>
-            </a:r>
-            <a:r>
-              <a:rPr lang="en-US" sz="1200" dirty="0" err="1">
-                <a:solidFill>
-                  <a:srgbClr val="C00000"/>
-                </a:solidFill>
-              </a:rPr>
-              <a:t>sa.summary</a:t>
-            </a:r>
-            <a:r>
-              <a:rPr lang="en-US" sz="1200" dirty="0">
-                <a:solidFill>
-                  <a:srgbClr val="C00000"/>
-                </a:solidFill>
-              </a:rPr>
-              <a:t>/</a:t>
-            </a:r>
-          </a:p>
-          <a:p>
-            <a:r>
-              <a:rPr lang="en-US" sz="1200" dirty="0">
-                <a:solidFill>
-                  <a:srgbClr val="C00000"/>
-                </a:solidFill>
-              </a:rPr>
-              <a:t>    </a:t>
-            </a:r>
-            <a:r>
-              <a:rPr lang="en-US" sz="1200" dirty="0" err="1">
-                <a:solidFill>
-                  <a:srgbClr val="C00000"/>
-                </a:solidFill>
-              </a:rPr>
-              <a:t>sa.run.1</a:t>
-            </a:r>
-            <a:r>
-              <a:rPr lang="en-US" sz="1200" dirty="0">
-                <a:solidFill>
-                  <a:srgbClr val="C00000"/>
-                </a:solidFill>
-              </a:rPr>
-              <a:t>/</a:t>
-            </a:r>
-          </a:p>
-          <a:p>
-            <a:r>
-              <a:rPr lang="en-US" sz="1200" dirty="0">
-                <a:solidFill>
-                  <a:srgbClr val="C00000"/>
-                </a:solidFill>
-              </a:rPr>
-              <a:t>    </a:t>
-            </a:r>
-            <a:r>
-              <a:rPr lang="en-US" sz="1200" dirty="0" err="1">
-                <a:solidFill>
-                  <a:srgbClr val="C00000"/>
-                </a:solidFill>
-              </a:rPr>
-              <a:t>sa.run.2</a:t>
-            </a:r>
-            <a:r>
-              <a:rPr lang="en-US" sz="1200" dirty="0">
-                <a:solidFill>
-                  <a:srgbClr val="C00000"/>
-                </a:solidFill>
-              </a:rPr>
-              <a:t>/</a:t>
-            </a:r>
-          </a:p>
-          <a:p>
-            <a:endParaRPr lang="en-US" sz="1200" dirty="0">
-              <a:solidFill>
-                <a:srgbClr val="C00000"/>
-              </a:solidFill>
-            </a:endParaRPr>
-          </a:p>
-          <a:p>
-            <a:r>
-              <a:rPr lang="en-US" sz="1200" dirty="0" err="1">
-                <a:solidFill>
-                  <a:srgbClr val="C00000"/>
-                </a:solidFill>
-              </a:rPr>
-              <a:t>sp.results</a:t>
-            </a:r>
-            <a:r>
-              <a:rPr lang="en-US" sz="1200" dirty="0">
-                <a:solidFill>
-                  <a:srgbClr val="C00000"/>
-                </a:solidFill>
-              </a:rPr>
-              <a:t>/</a:t>
             </a:r>
           </a:p>
         </p:txBody>
@@ -3434,8 +3255,8 @@
         </p:nvSpPr>
         <p:spPr>
           <a:xfrm>
-            <a:off x="1783111" y="1231573"/>
-            <a:ext cx="1142429" cy="1938992"/>
+            <a:off x="1505929" y="1231573"/>
+            <a:ext cx="1930337" cy="2031325"/>
           </a:xfrm>
           <a:prstGeom prst="rect">
             <a:avLst/>
@@ -3449,27 +3270,49 @@
           <a:lstStyle/>
           <a:p>
             <a:r>
-              <a:rPr lang="en-US" sz="1200" dirty="0">
+              <a:rPr lang="en-US" sz="1050" dirty="0" smtClean="0">
                 <a:solidFill>
                   <a:srgbClr val="0070C0"/>
                 </a:solidFill>
               </a:rPr>
-              <a:t>input.sigs.csv</a:t>
-            </a:r>
-          </a:p>
-          <a:p>
-            <a:r>
-              <a:rPr lang="en-US" sz="1200" dirty="0">
+              <a:t>ground.truth.syn.catalog.csv</a:t>
+            </a:r>
+          </a:p>
+          <a:p>
+            <a:r>
+              <a:rPr lang="en-US" sz="1050" dirty="0" smtClean="0">
                 <a:solidFill>
                   <a:srgbClr val="0070C0"/>
                 </a:solidFill>
               </a:rPr>
-              <a:t>syn.data.csv</a:t>
-            </a:r>
-          </a:p>
-          <a:p>
-            <a:r>
-              <a:rPr lang="en-US" sz="1200" dirty="0" err="1">
+              <a:t>ground.truth.syn.exposures.csv</a:t>
+            </a:r>
+          </a:p>
+          <a:p>
+            <a:r>
+              <a:rPr lang="en-US" sz="1050" dirty="0" smtClean="0">
+                <a:solidFill>
+                  <a:srgbClr val="0070C0"/>
+                </a:solidFill>
+              </a:rPr>
+              <a:t>ground.truth.syn.signatures.csv</a:t>
+            </a:r>
+            <a:endParaRPr lang="en-US" sz="1050" dirty="0">
+              <a:solidFill>
+                <a:srgbClr val="0070C0"/>
+              </a:solidFill>
+            </a:endParaRPr>
+          </a:p>
+          <a:p>
+            <a:endParaRPr lang="en-US" sz="1050" dirty="0">
+              <a:solidFill>
+                <a:srgbClr val="0070C0"/>
+              </a:solidFill>
+            </a:endParaRPr>
+          </a:p>
+          <a:p>
+            <a:r>
+              <a:rPr lang="en-US" sz="1050" dirty="0" err="1">
                 <a:solidFill>
                   <a:srgbClr val="C00000"/>
                 </a:solidFill>
@@ -3477,7 +3320,7 @@
               <a:t>sa.results</a:t>
             </a:r>
             <a:r>
-              <a:rPr lang="en-US" sz="1200" dirty="0">
+              <a:rPr lang="en-US" sz="1050" dirty="0">
                 <a:solidFill>
                   <a:srgbClr val="C00000"/>
                 </a:solidFill>
@@ -3487,7 +3330,7 @@
           </a:p>
           <a:p>
             <a:r>
-              <a:rPr lang="en-US" sz="1200" dirty="0">
+              <a:rPr lang="en-US" sz="1050" dirty="0">
                 <a:solidFill>
                   <a:srgbClr val="C00000"/>
                 </a:solidFill>
@@ -3495,7 +3338,7 @@
               <a:t>    </a:t>
             </a:r>
             <a:r>
-              <a:rPr lang="en-US" sz="1200" dirty="0" err="1">
+              <a:rPr lang="en-US" sz="1050" dirty="0" err="1">
                 <a:solidFill>
                   <a:srgbClr val="C00000"/>
                 </a:solidFill>
@@ -3503,7 +3346,7 @@
               <a:t>sa.best.run</a:t>
             </a:r>
             <a:r>
-              <a:rPr lang="en-US" sz="1200" dirty="0">
+              <a:rPr lang="en-US" sz="1050" dirty="0">
                 <a:solidFill>
                   <a:srgbClr val="C00000"/>
                 </a:solidFill>
@@ -3513,7 +3356,7 @@
           </a:p>
           <a:p>
             <a:r>
-              <a:rPr lang="en-US" sz="1200" dirty="0">
+              <a:rPr lang="en-US" sz="1050" dirty="0">
                 <a:solidFill>
                   <a:srgbClr val="C00000"/>
                 </a:solidFill>
@@ -3521,7 +3364,7 @@
               <a:t>    </a:t>
             </a:r>
             <a:r>
-              <a:rPr lang="en-US" sz="1200" dirty="0" err="1">
+              <a:rPr lang="en-US" sz="1050" dirty="0" err="1">
                 <a:solidFill>
                   <a:srgbClr val="C00000"/>
                 </a:solidFill>
@@ -3529,7 +3372,7 @@
               <a:t>sa.summary</a:t>
             </a:r>
             <a:r>
-              <a:rPr lang="en-US" sz="1200" dirty="0">
+              <a:rPr lang="en-US" sz="1050" dirty="0">
                 <a:solidFill>
                   <a:srgbClr val="C00000"/>
                 </a:solidFill>
@@ -3539,7 +3382,7 @@
           </a:p>
           <a:p>
             <a:r>
-              <a:rPr lang="en-US" sz="1200" dirty="0">
+              <a:rPr lang="en-US" sz="1050" dirty="0">
                 <a:solidFill>
                   <a:srgbClr val="C00000"/>
                 </a:solidFill>
@@ -3547,7 +3390,7 @@
               <a:t>    </a:t>
             </a:r>
             <a:r>
-              <a:rPr lang="en-US" sz="1200" dirty="0" err="1">
+              <a:rPr lang="en-US" sz="1050" dirty="0" err="1">
                 <a:solidFill>
                   <a:srgbClr val="C00000"/>
                 </a:solidFill>
@@ -3555,7 +3398,7 @@
               <a:t>sa.run.1</a:t>
             </a:r>
             <a:r>
-              <a:rPr lang="en-US" sz="1200" dirty="0">
+              <a:rPr lang="en-US" sz="1050" dirty="0">
                 <a:solidFill>
                   <a:srgbClr val="C00000"/>
                 </a:solidFill>
@@ -3565,7 +3408,7 @@
           </a:p>
           <a:p>
             <a:r>
-              <a:rPr lang="en-US" sz="1200" dirty="0">
+              <a:rPr lang="en-US" sz="1050" dirty="0">
                 <a:solidFill>
                   <a:srgbClr val="C00000"/>
                 </a:solidFill>
@@ -3573,7 +3416,7 @@
               <a:t>    </a:t>
             </a:r>
             <a:r>
-              <a:rPr lang="en-US" sz="1200" dirty="0" err="1">
+              <a:rPr lang="en-US" sz="1050" dirty="0" err="1">
                 <a:solidFill>
                   <a:srgbClr val="C00000"/>
                 </a:solidFill>
@@ -3581,7 +3424,7 @@
               <a:t>sa.run.2</a:t>
             </a:r>
             <a:r>
-              <a:rPr lang="en-US" sz="1200" dirty="0">
+              <a:rPr lang="en-US" sz="1050" dirty="0">
                 <a:solidFill>
                   <a:srgbClr val="C00000"/>
                 </a:solidFill>
@@ -3590,7 +3433,7 @@
             </a:r>
           </a:p>
           <a:p>
-            <a:endParaRPr lang="en-US" sz="1200" dirty="0">
+            <a:endParaRPr lang="en-US" sz="1050" dirty="0">
               <a:solidFill>
                 <a:srgbClr val="C00000"/>
               </a:solidFill>
@@ -3598,7 +3441,7 @@
           </a:p>
           <a:p>
             <a:r>
-              <a:rPr lang="en-US" sz="1200" dirty="0" err="1">
+              <a:rPr lang="en-US" sz="1050" dirty="0" err="1">
                 <a:solidFill>
                   <a:srgbClr val="C00000"/>
                 </a:solidFill>
@@ -3606,7 +3449,7 @@
               <a:t>sp.results</a:t>
             </a:r>
             <a:r>
-              <a:rPr lang="en-US" sz="1200" dirty="0">
+              <a:rPr lang="en-US" sz="1050" dirty="0">
                 <a:solidFill>
                   <a:srgbClr val="C00000"/>
                 </a:solidFill>
@@ -3616,207 +3459,7 @@
           </a:p>
           <a:p>
             <a:r>
-              <a:rPr lang="en-US" sz="1200" dirty="0">
-                <a:solidFill>
-                  <a:srgbClr val="C00000"/>
-                </a:solidFill>
-              </a:rPr>
-              <a:t>    ….</a:t>
-            </a:r>
-          </a:p>
-        </p:txBody>
-      </p:sp>
-      <p:sp>
-        <p:nvSpPr>
-          <p:cNvPr id="14" name="TextBox 13"/>
-          <p:cNvSpPr txBox="1"/>
-          <p:nvPr/>
-        </p:nvSpPr>
-        <p:spPr>
-          <a:xfrm>
-            <a:off x="2948679" y="1231573"/>
-            <a:ext cx="1142429" cy="1938992"/>
-          </a:xfrm>
-          <a:prstGeom prst="rect">
-            <a:avLst/>
-          </a:prstGeom>
-          <a:noFill/>
-        </p:spPr>
-        <p:txBody>
-          <a:bodyPr wrap="none" rtlCol="0">
-            <a:spAutoFit/>
-          </a:bodyPr>
-          <a:lstStyle/>
-          <a:p>
-            <a:r>
-              <a:rPr lang="en-US" sz="1200" dirty="0">
-                <a:solidFill>
-                  <a:srgbClr val="FF0000"/>
-                </a:solidFill>
-              </a:rPr>
-              <a:t>input.sigs.csv</a:t>
-            </a:r>
-          </a:p>
-          <a:p>
-            <a:r>
-              <a:rPr lang="en-US" sz="1200" dirty="0">
-                <a:solidFill>
-                  <a:srgbClr val="0070C0"/>
-                </a:solidFill>
-              </a:rPr>
-              <a:t>syn.data.csv</a:t>
-            </a:r>
-          </a:p>
-          <a:p>
-            <a:r>
-              <a:rPr lang="en-US" sz="1200" dirty="0" err="1">
-                <a:solidFill>
-                  <a:srgbClr val="C00000"/>
-                </a:solidFill>
-              </a:rPr>
-              <a:t>sa.results</a:t>
-            </a:r>
-            <a:r>
-              <a:rPr lang="en-US" sz="1200" dirty="0">
-                <a:solidFill>
-                  <a:srgbClr val="C00000"/>
-                </a:solidFill>
-              </a:rPr>
-              <a:t>/</a:t>
-            </a:r>
-          </a:p>
-          <a:p>
-            <a:r>
-              <a:rPr lang="en-US" sz="1200" dirty="0">
-                <a:solidFill>
-                  <a:srgbClr val="C00000"/>
-                </a:solidFill>
-              </a:rPr>
-              <a:t>    </a:t>
-            </a:r>
-            <a:r>
-              <a:rPr lang="en-US" sz="1200" dirty="0" err="1">
-                <a:solidFill>
-                  <a:srgbClr val="C00000"/>
-                </a:solidFill>
-              </a:rPr>
-              <a:t>sa.best.run</a:t>
-            </a:r>
-            <a:r>
-              <a:rPr lang="en-US" sz="1200" dirty="0">
-                <a:solidFill>
-                  <a:srgbClr val="C00000"/>
-                </a:solidFill>
-              </a:rPr>
-              <a:t>/</a:t>
-            </a:r>
-          </a:p>
-          <a:p>
-            <a:r>
-              <a:rPr lang="en-US" sz="1200" dirty="0">
-                <a:solidFill>
-                  <a:srgbClr val="C00000"/>
-                </a:solidFill>
-              </a:rPr>
-              <a:t>    </a:t>
-            </a:r>
-            <a:r>
-              <a:rPr lang="en-US" sz="1200" dirty="0" err="1">
-                <a:solidFill>
-                  <a:srgbClr val="C00000"/>
-                </a:solidFill>
-              </a:rPr>
-              <a:t>sa.summary</a:t>
-            </a:r>
-            <a:r>
-              <a:rPr lang="en-US" sz="1200" dirty="0">
-                <a:solidFill>
-                  <a:srgbClr val="C00000"/>
-                </a:solidFill>
-              </a:rPr>
-              <a:t>/</a:t>
-            </a:r>
-          </a:p>
-          <a:p>
-            <a:r>
-              <a:rPr lang="en-US" sz="1200" dirty="0">
-                <a:solidFill>
-                  <a:srgbClr val="C00000"/>
-                </a:solidFill>
-              </a:rPr>
-              <a:t>    </a:t>
-            </a:r>
-            <a:r>
-              <a:rPr lang="en-US" sz="1200" dirty="0" err="1">
-                <a:solidFill>
-                  <a:srgbClr val="C00000"/>
-                </a:solidFill>
-              </a:rPr>
-              <a:t>sa.run.1</a:t>
-            </a:r>
-            <a:r>
-              <a:rPr lang="en-US" sz="1200" dirty="0">
-                <a:solidFill>
-                  <a:srgbClr val="C00000"/>
-                </a:solidFill>
-              </a:rPr>
-              <a:t>/</a:t>
-            </a:r>
-          </a:p>
-          <a:p>
-            <a:r>
-              <a:rPr lang="en-US" sz="1200" dirty="0">
-                <a:solidFill>
-                  <a:srgbClr val="C00000"/>
-                </a:solidFill>
-              </a:rPr>
-              <a:t>    </a:t>
-            </a:r>
-            <a:r>
-              <a:rPr lang="en-US" sz="1200" dirty="0" err="1">
-                <a:solidFill>
-                  <a:srgbClr val="C00000"/>
-                </a:solidFill>
-              </a:rPr>
-              <a:t>sa.run.2</a:t>
-            </a:r>
-            <a:r>
-              <a:rPr lang="en-US" sz="1200" dirty="0">
-                <a:solidFill>
-                  <a:srgbClr val="C00000"/>
-                </a:solidFill>
-              </a:rPr>
-              <a:t>/</a:t>
-            </a:r>
-          </a:p>
-          <a:p>
-            <a:endParaRPr lang="en-US" sz="1200" dirty="0">
-              <a:solidFill>
-                <a:srgbClr val="C00000"/>
-              </a:solidFill>
-            </a:endParaRPr>
-          </a:p>
-          <a:p>
-            <a:r>
-              <a:rPr lang="en-US" sz="1200" dirty="0" err="1">
-                <a:solidFill>
-                  <a:srgbClr val="C00000"/>
-                </a:solidFill>
-              </a:rPr>
-              <a:t>sp.results</a:t>
-            </a:r>
-            <a:r>
-              <a:rPr lang="en-US" sz="1200" dirty="0">
-                <a:solidFill>
-                  <a:srgbClr val="C00000"/>
-                </a:solidFill>
-              </a:rPr>
-              <a:t>/</a:t>
-            </a:r>
-          </a:p>
-          <a:p>
-            <a:r>
-              <a:rPr lang="en-US" sz="1200" dirty="0">
+              <a:rPr lang="en-US" sz="1050" dirty="0">
                 <a:solidFill>
                   <a:srgbClr val="C00000"/>
                 </a:solidFill>
@@ -3868,7 +3511,7 @@
         </p:nvCxnSpPr>
         <p:spPr>
           <a:xfrm>
-            <a:off x="2354342" y="761469"/>
+            <a:off x="2077160" y="761469"/>
             <a:ext cx="18073" cy="213143"/>
           </a:xfrm>
           <a:prstGeom prst="line">
@@ -3900,8 +3543,8 @@
         </p:nvCxnSpPr>
         <p:spPr>
           <a:xfrm>
-            <a:off x="3433022" y="767842"/>
-            <a:ext cx="43031" cy="206771"/>
+            <a:off x="3539716" y="767841"/>
+            <a:ext cx="261316" cy="235447"/>
           </a:xfrm>
           <a:prstGeom prst="line">
             <a:avLst/>
@@ -3932,7 +3575,7 @@
         </p:nvCxnSpPr>
         <p:spPr>
           <a:xfrm>
-            <a:off x="3793046" y="751912"/>
+            <a:off x="4047931" y="764656"/>
             <a:ext cx="759897" cy="222701"/>
           </a:xfrm>
           <a:prstGeom prst="line">
@@ -3964,8 +3607,8 @@
         </p:nvCxnSpPr>
         <p:spPr>
           <a:xfrm>
-            <a:off x="4595571" y="772998"/>
-            <a:ext cx="913529" cy="201614"/>
+            <a:off x="4670768" y="774213"/>
+            <a:ext cx="1184561" cy="229074"/>
           </a:xfrm>
           <a:prstGeom prst="line">
             <a:avLst/>
@@ -3994,8 +3637,8 @@
         </p:nvSpPr>
         <p:spPr>
           <a:xfrm>
-            <a:off x="5226811" y="974612"/>
-            <a:ext cx="564578" cy="276999"/>
+            <a:off x="5567429" y="1003287"/>
+            <a:ext cx="575799" cy="630942"/>
           </a:xfrm>
           <a:prstGeom prst="rect">
             <a:avLst/>
@@ -4020,8 +3663,32 @@
                   <a:srgbClr val="0070C0"/>
                 </a:solidFill>
               </a:rPr>
-              <a:t>sp.sp/</a:t>
-            </a:r>
+              <a:t>sp.sp</a:t>
+            </a:r>
+            <a:r>
+              <a:rPr lang="en-US" sz="1200" dirty="0" smtClean="0">
+                <a:solidFill>
+                  <a:srgbClr val="0070C0"/>
+                </a:solidFill>
+              </a:rPr>
+              <a:t>/</a:t>
+            </a:r>
+          </a:p>
+          <a:p>
+            <a:pPr algn="ctr"/>
+            <a:endParaRPr lang="en-US" sz="1200" dirty="0">
+              <a:solidFill>
+                <a:srgbClr val="0070C0"/>
+              </a:solidFill>
+            </a:endParaRPr>
+          </a:p>
+          <a:p>
+            <a:pPr algn="ctr"/>
+            <a:r>
+              <a:rPr lang="en-US" sz="1050" dirty="0" smtClean="0"/>
+              <a:t>(same)</a:t>
+            </a:r>
+            <a:endParaRPr lang="en-US" sz="1050" dirty="0"/>
           </a:p>
         </p:txBody>
       </p:sp>
@@ -4147,13 +3814,15 @@
       <p:cxnSp>
         <p:nvCxnSpPr>
           <p:cNvPr id="3" name="Curved Connector 2"/>
-          <p:cNvCxnSpPr/>
+          <p:cNvCxnSpPr>
+            <a:stCxn id="6" idx="1"/>
+          </p:cNvCxnSpPr>
           <p:nvPr/>
         </p:nvCxnSpPr>
         <p:spPr>
-          <a:xfrm rot="10800000" flipV="1">
-            <a:off x="3909302" y="672258"/>
-            <a:ext cx="1057770" cy="707307"/>
+          <a:xfrm rot="10800000">
+            <a:off x="3332623" y="1682241"/>
+            <a:ext cx="790143" cy="696416"/>
           </a:xfrm>
           <a:prstGeom prst="curvedConnector3">
             <a:avLst/>
@@ -4188,7 +3857,7 @@
         </p:nvSpPr>
         <p:spPr>
           <a:xfrm>
-            <a:off x="4874676" y="455607"/>
+            <a:off x="4122765" y="2172895"/>
             <a:ext cx="1287170" cy="411523"/>
           </a:xfrm>
           <a:prstGeom prst="rect">
